--- a/JavaBasic/src/t_teamproject/teamproject_02/document/화면설계서.pptx
+++ b/JavaBasic/src/t_teamproject/teamproject_02/document/화면설계서.pptx
@@ -263,7 +263,7 @@
           <a:p>
             <a:fld id="{64DD7884-5903-414B-95E9-D8F82DA7F288}" type="datetimeFigureOut">
               <a:rPr lang="ko-KR" altLang="en-US" smtClean="0"/>
-              <a:t>2020-04-18</a:t>
+              <a:t>2020-04-20</a:t>
             </a:fld>
             <a:endParaRPr lang="ko-KR" altLang="en-US"/>
           </a:p>
@@ -461,7 +461,7 @@
           <a:p>
             <a:fld id="{64DD7884-5903-414B-95E9-D8F82DA7F288}" type="datetimeFigureOut">
               <a:rPr lang="ko-KR" altLang="en-US" smtClean="0"/>
-              <a:t>2020-04-18</a:t>
+              <a:t>2020-04-20</a:t>
             </a:fld>
             <a:endParaRPr lang="ko-KR" altLang="en-US"/>
           </a:p>
@@ -669,7 +669,7 @@
           <a:p>
             <a:fld id="{64DD7884-5903-414B-95E9-D8F82DA7F288}" type="datetimeFigureOut">
               <a:rPr lang="ko-KR" altLang="en-US" smtClean="0"/>
-              <a:t>2020-04-18</a:t>
+              <a:t>2020-04-20</a:t>
             </a:fld>
             <a:endParaRPr lang="ko-KR" altLang="en-US"/>
           </a:p>
@@ -867,7 +867,7 @@
           <a:p>
             <a:fld id="{64DD7884-5903-414B-95E9-D8F82DA7F288}" type="datetimeFigureOut">
               <a:rPr lang="ko-KR" altLang="en-US" smtClean="0"/>
-              <a:t>2020-04-18</a:t>
+              <a:t>2020-04-20</a:t>
             </a:fld>
             <a:endParaRPr lang="ko-KR" altLang="en-US"/>
           </a:p>
@@ -1142,7 +1142,7 @@
           <a:p>
             <a:fld id="{64DD7884-5903-414B-95E9-D8F82DA7F288}" type="datetimeFigureOut">
               <a:rPr lang="ko-KR" altLang="en-US" smtClean="0"/>
-              <a:t>2020-04-18</a:t>
+              <a:t>2020-04-20</a:t>
             </a:fld>
             <a:endParaRPr lang="ko-KR" altLang="en-US"/>
           </a:p>
@@ -1407,7 +1407,7 @@
           <a:p>
             <a:fld id="{64DD7884-5903-414B-95E9-D8F82DA7F288}" type="datetimeFigureOut">
               <a:rPr lang="ko-KR" altLang="en-US" smtClean="0"/>
-              <a:t>2020-04-18</a:t>
+              <a:t>2020-04-20</a:t>
             </a:fld>
             <a:endParaRPr lang="ko-KR" altLang="en-US"/>
           </a:p>
@@ -1819,7 +1819,7 @@
           <a:p>
             <a:fld id="{64DD7884-5903-414B-95E9-D8F82DA7F288}" type="datetimeFigureOut">
               <a:rPr lang="ko-KR" altLang="en-US" smtClean="0"/>
-              <a:t>2020-04-18</a:t>
+              <a:t>2020-04-20</a:t>
             </a:fld>
             <a:endParaRPr lang="ko-KR" altLang="en-US"/>
           </a:p>
@@ -1960,7 +1960,7 @@
           <a:p>
             <a:fld id="{64DD7884-5903-414B-95E9-D8F82DA7F288}" type="datetimeFigureOut">
               <a:rPr lang="ko-KR" altLang="en-US" smtClean="0"/>
-              <a:t>2020-04-18</a:t>
+              <a:t>2020-04-20</a:t>
             </a:fld>
             <a:endParaRPr lang="ko-KR" altLang="en-US"/>
           </a:p>
@@ -2073,7 +2073,7 @@
           <a:p>
             <a:fld id="{64DD7884-5903-414B-95E9-D8F82DA7F288}" type="datetimeFigureOut">
               <a:rPr lang="ko-KR" altLang="en-US" smtClean="0"/>
-              <a:t>2020-04-18</a:t>
+              <a:t>2020-04-20</a:t>
             </a:fld>
             <a:endParaRPr lang="ko-KR" altLang="en-US"/>
           </a:p>
@@ -2384,7 +2384,7 @@
           <a:p>
             <a:fld id="{64DD7884-5903-414B-95E9-D8F82DA7F288}" type="datetimeFigureOut">
               <a:rPr lang="ko-KR" altLang="en-US" smtClean="0"/>
-              <a:t>2020-04-18</a:t>
+              <a:t>2020-04-20</a:t>
             </a:fld>
             <a:endParaRPr lang="ko-KR" altLang="en-US"/>
           </a:p>
@@ -2672,7 +2672,7 @@
           <a:p>
             <a:fld id="{64DD7884-5903-414B-95E9-D8F82DA7F288}" type="datetimeFigureOut">
               <a:rPr lang="ko-KR" altLang="en-US" smtClean="0"/>
-              <a:t>2020-04-18</a:t>
+              <a:t>2020-04-20</a:t>
             </a:fld>
             <a:endParaRPr lang="ko-KR" altLang="en-US"/>
           </a:p>
@@ -2913,7 +2913,7 @@
           <a:p>
             <a:fld id="{64DD7884-5903-414B-95E9-D8F82DA7F288}" type="datetimeFigureOut">
               <a:rPr lang="ko-KR" altLang="en-US" smtClean="0"/>
-              <a:t>2020-04-18</a:t>
+              <a:t>2020-04-20</a:t>
             </a:fld>
             <a:endParaRPr lang="ko-KR" altLang="en-US"/>
           </a:p>
@@ -5166,50 +5166,350 @@
       </p:grpSpPr>
       <p:sp>
         <p:nvSpPr>
-          <p:cNvPr id="2" name="제목 1">
-            <a:extLst>
-              <a:ext uri="{FF2B5EF4-FFF2-40B4-BE49-F238E27FC236}">
-                <a16:creationId xmlns:a16="http://schemas.microsoft.com/office/drawing/2014/main" id="{B04EFD46-14E8-4ACA-8EC9-894B93E61C98}"/>
-              </a:ext>
-            </a:extLst>
-          </p:cNvPr>
-          <p:cNvSpPr>
-            <a:spLocks noGrp="1"/>
-          </p:cNvSpPr>
-          <p:nvPr>
-            <p:ph type="title"/>
-          </p:nvPr>
-        </p:nvSpPr>
-        <p:spPr/>
-        <p:txBody>
-          <a:bodyPr/>
-          <a:lstStyle/>
-          <a:p>
+          <p:cNvPr id="4" name="직사각형 3">
+            <a:extLst>
+              <a:ext uri="{FF2B5EF4-FFF2-40B4-BE49-F238E27FC236}">
+                <a16:creationId xmlns:a16="http://schemas.microsoft.com/office/drawing/2014/main" id="{F8209DD8-318B-4E7B-A52D-7E45DA663AAC}"/>
+              </a:ext>
+            </a:extLst>
+          </p:cNvPr>
+          <p:cNvSpPr/>
+          <p:nvPr/>
+        </p:nvSpPr>
+        <p:spPr>
+          <a:xfrm>
+            <a:off x="762000" y="820615"/>
+            <a:ext cx="10937631" cy="5615354"/>
+          </a:xfrm>
+          <a:prstGeom prst="rect">
+            <a:avLst/>
+          </a:prstGeom>
+        </p:spPr>
+        <p:style>
+          <a:lnRef idx="2">
+            <a:schemeClr val="accent1">
+              <a:shade val="50000"/>
+            </a:schemeClr>
+          </a:lnRef>
+          <a:fillRef idx="1">
+            <a:schemeClr val="accent1"/>
+          </a:fillRef>
+          <a:effectRef idx="0">
+            <a:schemeClr val="accent1"/>
+          </a:effectRef>
+          <a:fontRef idx="minor">
+            <a:schemeClr val="lt1"/>
+          </a:fontRef>
+        </p:style>
+        <p:txBody>
+          <a:bodyPr rtlCol="0" anchor="ctr"/>
+          <a:lstStyle/>
+          <a:p>
+            <a:pPr algn="ctr"/>
             <a:endParaRPr lang="ko-KR" altLang="en-US"/>
           </a:p>
         </p:txBody>
       </p:sp>
       <p:sp>
         <p:nvSpPr>
-          <p:cNvPr id="3" name="내용 개체 틀 2">
-            <a:extLst>
-              <a:ext uri="{FF2B5EF4-FFF2-40B4-BE49-F238E27FC236}">
-                <a16:creationId xmlns:a16="http://schemas.microsoft.com/office/drawing/2014/main" id="{4F250F43-D701-46A5-8F55-E60100998797}"/>
-              </a:ext>
-            </a:extLst>
-          </p:cNvPr>
-          <p:cNvSpPr>
-            <a:spLocks noGrp="1"/>
-          </p:cNvSpPr>
-          <p:nvPr>
-            <p:ph idx="1"/>
-          </p:nvPr>
-        </p:nvSpPr>
-        <p:spPr/>
-        <p:txBody>
-          <a:bodyPr/>
-          <a:lstStyle/>
-          <a:p>
+          <p:cNvPr id="5" name="직사각형 4">
+            <a:extLst>
+              <a:ext uri="{FF2B5EF4-FFF2-40B4-BE49-F238E27FC236}">
+                <a16:creationId xmlns:a16="http://schemas.microsoft.com/office/drawing/2014/main" id="{D0D4FC7E-B02E-4782-8F62-165F84636D74}"/>
+              </a:ext>
+            </a:extLst>
+          </p:cNvPr>
+          <p:cNvSpPr/>
+          <p:nvPr/>
+        </p:nvSpPr>
+        <p:spPr>
+          <a:xfrm>
+            <a:off x="996463" y="1008185"/>
+            <a:ext cx="8229600" cy="5029200"/>
+          </a:xfrm>
+          <a:prstGeom prst="rect">
+            <a:avLst/>
+          </a:prstGeom>
+          <a:solidFill>
+            <a:schemeClr val="bg1"/>
+          </a:solidFill>
+        </p:spPr>
+        <p:style>
+          <a:lnRef idx="2">
+            <a:schemeClr val="accent1">
+              <a:shade val="50000"/>
+            </a:schemeClr>
+          </a:lnRef>
+          <a:fillRef idx="1">
+            <a:schemeClr val="accent1"/>
+          </a:fillRef>
+          <a:effectRef idx="0">
+            <a:schemeClr val="accent1"/>
+          </a:effectRef>
+          <a:fontRef idx="minor">
+            <a:schemeClr val="lt1"/>
+          </a:fontRef>
+        </p:style>
+        <p:txBody>
+          <a:bodyPr rtlCol="0" anchor="ctr"/>
+          <a:lstStyle/>
+          <a:p>
+            <a:pPr algn="ctr"/>
+            <a:endParaRPr lang="ko-KR" altLang="en-US"/>
+          </a:p>
+        </p:txBody>
+      </p:sp>
+      <p:sp>
+        <p:nvSpPr>
+          <p:cNvPr id="6" name="직사각형 5">
+            <a:extLst>
+              <a:ext uri="{FF2B5EF4-FFF2-40B4-BE49-F238E27FC236}">
+                <a16:creationId xmlns:a16="http://schemas.microsoft.com/office/drawing/2014/main" id="{6D74CDC9-6551-48B0-8EA0-39B63B2A2196}"/>
+              </a:ext>
+            </a:extLst>
+          </p:cNvPr>
+          <p:cNvSpPr/>
+          <p:nvPr/>
+        </p:nvSpPr>
+        <p:spPr>
+          <a:xfrm>
+            <a:off x="9378462" y="1008185"/>
+            <a:ext cx="2215661" cy="5029200"/>
+          </a:xfrm>
+          <a:prstGeom prst="rect">
+            <a:avLst/>
+          </a:prstGeom>
+          <a:solidFill>
+            <a:schemeClr val="bg1"/>
+          </a:solidFill>
+        </p:spPr>
+        <p:style>
+          <a:lnRef idx="2">
+            <a:schemeClr val="accent1">
+              <a:shade val="50000"/>
+            </a:schemeClr>
+          </a:lnRef>
+          <a:fillRef idx="1">
+            <a:schemeClr val="accent1"/>
+          </a:fillRef>
+          <a:effectRef idx="0">
+            <a:schemeClr val="accent1"/>
+          </a:effectRef>
+          <a:fontRef idx="minor">
+            <a:schemeClr val="lt1"/>
+          </a:fontRef>
+        </p:style>
+        <p:txBody>
+          <a:bodyPr rtlCol="0" anchor="ctr"/>
+          <a:lstStyle/>
+          <a:p>
+            <a:pPr algn="ctr"/>
+            <a:endParaRPr lang="ko-KR" altLang="en-US"/>
+          </a:p>
+        </p:txBody>
+      </p:sp>
+      <p:sp>
+        <p:nvSpPr>
+          <p:cNvPr id="7" name="직사각형 6">
+            <a:extLst>
+              <a:ext uri="{FF2B5EF4-FFF2-40B4-BE49-F238E27FC236}">
+                <a16:creationId xmlns:a16="http://schemas.microsoft.com/office/drawing/2014/main" id="{17753CC7-7EF5-41A5-9439-5DB847973943}"/>
+              </a:ext>
+            </a:extLst>
+          </p:cNvPr>
+          <p:cNvSpPr/>
+          <p:nvPr/>
+        </p:nvSpPr>
+        <p:spPr>
+          <a:xfrm>
+            <a:off x="9378462" y="1113692"/>
+            <a:ext cx="2215661" cy="363416"/>
+          </a:xfrm>
+          <a:prstGeom prst="rect">
+            <a:avLst/>
+          </a:prstGeom>
+        </p:spPr>
+        <p:style>
+          <a:lnRef idx="2">
+            <a:schemeClr val="accent1">
+              <a:shade val="50000"/>
+            </a:schemeClr>
+          </a:lnRef>
+          <a:fillRef idx="1">
+            <a:schemeClr val="accent1"/>
+          </a:fillRef>
+          <a:effectRef idx="0">
+            <a:schemeClr val="accent1"/>
+          </a:effectRef>
+          <a:fontRef idx="minor">
+            <a:schemeClr val="lt1"/>
+          </a:fontRef>
+        </p:style>
+        <p:txBody>
+          <a:bodyPr rtlCol="0" anchor="ctr"/>
+          <a:lstStyle/>
+          <a:p>
+            <a:pPr algn="ctr"/>
+            <a:r>
+              <a:rPr lang="ko-KR" altLang="en-US" dirty="0"/>
+              <a:t>레이블</a:t>
+            </a:r>
+          </a:p>
+        </p:txBody>
+      </p:sp>
+      <p:sp>
+        <p:nvSpPr>
+          <p:cNvPr id="8" name="직사각형 7">
+            <a:extLst>
+              <a:ext uri="{FF2B5EF4-FFF2-40B4-BE49-F238E27FC236}">
+                <a16:creationId xmlns:a16="http://schemas.microsoft.com/office/drawing/2014/main" id="{B80D9965-EC07-4347-9031-6FD4FE6D90F3}"/>
+              </a:ext>
+            </a:extLst>
+          </p:cNvPr>
+          <p:cNvSpPr/>
+          <p:nvPr/>
+        </p:nvSpPr>
+        <p:spPr>
+          <a:xfrm>
+            <a:off x="9378461" y="1582615"/>
+            <a:ext cx="2215661" cy="3985847"/>
+          </a:xfrm>
+          <a:prstGeom prst="rect">
+            <a:avLst/>
+          </a:prstGeom>
+        </p:spPr>
+        <p:style>
+          <a:lnRef idx="2">
+            <a:schemeClr val="accent1">
+              <a:shade val="50000"/>
+            </a:schemeClr>
+          </a:lnRef>
+          <a:fillRef idx="1">
+            <a:schemeClr val="accent1"/>
+          </a:fillRef>
+          <a:effectRef idx="0">
+            <a:schemeClr val="accent1"/>
+          </a:effectRef>
+          <a:fontRef idx="minor">
+            <a:schemeClr val="lt1"/>
+          </a:fontRef>
+        </p:style>
+        <p:txBody>
+          <a:bodyPr rtlCol="0" anchor="ctr"/>
+          <a:lstStyle/>
+          <a:p>
+            <a:pPr algn="ctr"/>
+            <a:r>
+              <a:rPr lang="en-US" altLang="ko-KR" dirty="0" err="1"/>
+              <a:t>jlist</a:t>
+            </a:r>
+            <a:r>
+              <a:rPr lang="en-US" altLang="ko-KR" dirty="0"/>
+              <a:t> (panel)</a:t>
+            </a:r>
+            <a:r>
+              <a:rPr lang="ko-KR" altLang="en-US" dirty="0"/>
+              <a:t>로</a:t>
+            </a:r>
+            <a:r>
+              <a:rPr lang="en-US" altLang="ko-KR" dirty="0"/>
+              <a:t> </a:t>
+            </a:r>
+            <a:r>
+              <a:rPr lang="ko-KR" altLang="en-US" dirty="0"/>
+              <a:t>감싸기</a:t>
+            </a:r>
+          </a:p>
+        </p:txBody>
+      </p:sp>
+      <p:sp>
+        <p:nvSpPr>
+          <p:cNvPr id="9" name="직사각형 8">
+            <a:extLst>
+              <a:ext uri="{FF2B5EF4-FFF2-40B4-BE49-F238E27FC236}">
+                <a16:creationId xmlns:a16="http://schemas.microsoft.com/office/drawing/2014/main" id="{A037B32C-EEB6-49DE-89EB-C4AC6900824B}"/>
+              </a:ext>
+            </a:extLst>
+          </p:cNvPr>
+          <p:cNvSpPr/>
+          <p:nvPr/>
+        </p:nvSpPr>
+        <p:spPr>
+          <a:xfrm>
+            <a:off x="9495692" y="5662246"/>
+            <a:ext cx="902677" cy="281354"/>
+          </a:xfrm>
+          <a:prstGeom prst="rect">
+            <a:avLst/>
+          </a:prstGeom>
+        </p:spPr>
+        <p:style>
+          <a:lnRef idx="2">
+            <a:schemeClr val="accent1">
+              <a:shade val="50000"/>
+            </a:schemeClr>
+          </a:lnRef>
+          <a:fillRef idx="1">
+            <a:schemeClr val="accent1"/>
+          </a:fillRef>
+          <a:effectRef idx="0">
+            <a:schemeClr val="accent1"/>
+          </a:effectRef>
+          <a:fontRef idx="minor">
+            <a:schemeClr val="lt1"/>
+          </a:fontRef>
+        </p:style>
+        <p:txBody>
+          <a:bodyPr rtlCol="0" anchor="ctr"/>
+          <a:lstStyle/>
+          <a:p>
+            <a:pPr algn="ctr"/>
+            <a:endParaRPr lang="ko-KR" altLang="en-US"/>
+          </a:p>
+        </p:txBody>
+      </p:sp>
+      <p:sp>
+        <p:nvSpPr>
+          <p:cNvPr id="10" name="직사각형 9">
+            <a:extLst>
+              <a:ext uri="{FF2B5EF4-FFF2-40B4-BE49-F238E27FC236}">
+                <a16:creationId xmlns:a16="http://schemas.microsoft.com/office/drawing/2014/main" id="{F6F9EE74-6227-4FCD-8837-3F8B54BB3CA2}"/>
+              </a:ext>
+            </a:extLst>
+          </p:cNvPr>
+          <p:cNvSpPr/>
+          <p:nvPr/>
+        </p:nvSpPr>
+        <p:spPr>
+          <a:xfrm>
+            <a:off x="10544907" y="5662246"/>
+            <a:ext cx="902677" cy="281354"/>
+          </a:xfrm>
+          <a:prstGeom prst="rect">
+            <a:avLst/>
+          </a:prstGeom>
+        </p:spPr>
+        <p:style>
+          <a:lnRef idx="2">
+            <a:schemeClr val="accent1">
+              <a:shade val="50000"/>
+            </a:schemeClr>
+          </a:lnRef>
+          <a:fillRef idx="1">
+            <a:schemeClr val="accent1"/>
+          </a:fillRef>
+          <a:effectRef idx="0">
+            <a:schemeClr val="accent1"/>
+          </a:effectRef>
+          <a:fontRef idx="minor">
+            <a:schemeClr val="lt1"/>
+          </a:fontRef>
+        </p:style>
+        <p:txBody>
+          <a:bodyPr rtlCol="0" anchor="ctr"/>
+          <a:lstStyle/>
+          <a:p>
+            <a:pPr algn="ctr"/>
             <a:endParaRPr lang="ko-KR" altLang="en-US"/>
           </a:p>
         </p:txBody>

--- a/JavaBasic/src/t_teamproject/teamproject_02/document/화면설계서.pptx
+++ b/JavaBasic/src/t_teamproject/teamproject_02/document/화면설계서.pptx
@@ -138,7 +138,7 @@
           <p:cNvPr id="2" name="제목 1">
             <a:extLst>
               <a:ext uri="{FF2B5EF4-FFF2-40B4-BE49-F238E27FC236}">
-                <a16:creationId xmlns:a16="http://schemas.microsoft.com/office/drawing/2014/main" id="{B304A4B6-6E06-4794-BCAB-9213898D8EFF}"/>
+                <a16:creationId xmlns:a16="http://schemas.microsoft.com/office/drawing/2014/main" xmlns="" id="{B304A4B6-6E06-4794-BCAB-9213898D8EFF}"/>
               </a:ext>
             </a:extLst>
           </p:cNvPr>
@@ -175,7 +175,7 @@
           <p:cNvPr id="3" name="부제목 2">
             <a:extLst>
               <a:ext uri="{FF2B5EF4-FFF2-40B4-BE49-F238E27FC236}">
-                <a16:creationId xmlns:a16="http://schemas.microsoft.com/office/drawing/2014/main" id="{60FF4A93-832B-40DF-A76E-BBF93F8AD04E}"/>
+                <a16:creationId xmlns:a16="http://schemas.microsoft.com/office/drawing/2014/main" xmlns="" id="{60FF4A93-832B-40DF-A76E-BBF93F8AD04E}"/>
               </a:ext>
             </a:extLst>
           </p:cNvPr>
@@ -245,7 +245,7 @@
           <p:cNvPr id="4" name="날짜 개체 틀 3">
             <a:extLst>
               <a:ext uri="{FF2B5EF4-FFF2-40B4-BE49-F238E27FC236}">
-                <a16:creationId xmlns:a16="http://schemas.microsoft.com/office/drawing/2014/main" id="{74C1D40C-5FB0-4159-9C2E-298F536D9C0C}"/>
+                <a16:creationId xmlns:a16="http://schemas.microsoft.com/office/drawing/2014/main" xmlns="" id="{74C1D40C-5FB0-4159-9C2E-298F536D9C0C}"/>
               </a:ext>
             </a:extLst>
           </p:cNvPr>
@@ -263,7 +263,7 @@
           <a:p>
             <a:fld id="{64DD7884-5903-414B-95E9-D8F82DA7F288}" type="datetimeFigureOut">
               <a:rPr lang="ko-KR" altLang="en-US" smtClean="0"/>
-              <a:t>2020-04-20</a:t>
+              <a:t>2020-04-24</a:t>
             </a:fld>
             <a:endParaRPr lang="ko-KR" altLang="en-US"/>
           </a:p>
@@ -274,7 +274,7 @@
           <p:cNvPr id="5" name="바닥글 개체 틀 4">
             <a:extLst>
               <a:ext uri="{FF2B5EF4-FFF2-40B4-BE49-F238E27FC236}">
-                <a16:creationId xmlns:a16="http://schemas.microsoft.com/office/drawing/2014/main" id="{38FF97CD-1865-4C59-B298-D4738AEF28BA}"/>
+                <a16:creationId xmlns:a16="http://schemas.microsoft.com/office/drawing/2014/main" xmlns="" id="{38FF97CD-1865-4C59-B298-D4738AEF28BA}"/>
               </a:ext>
             </a:extLst>
           </p:cNvPr>
@@ -299,7 +299,7 @@
           <p:cNvPr id="6" name="슬라이드 번호 개체 틀 5">
             <a:extLst>
               <a:ext uri="{FF2B5EF4-FFF2-40B4-BE49-F238E27FC236}">
-                <a16:creationId xmlns:a16="http://schemas.microsoft.com/office/drawing/2014/main" id="{66A4C9E0-AAAB-410C-9098-D84CBA0B8B59}"/>
+                <a16:creationId xmlns:a16="http://schemas.microsoft.com/office/drawing/2014/main" xmlns="" id="{66A4C9E0-AAAB-410C-9098-D84CBA0B8B59}"/>
               </a:ext>
             </a:extLst>
           </p:cNvPr>
@@ -358,7 +358,7 @@
           <p:cNvPr id="2" name="제목 1">
             <a:extLst>
               <a:ext uri="{FF2B5EF4-FFF2-40B4-BE49-F238E27FC236}">
-                <a16:creationId xmlns:a16="http://schemas.microsoft.com/office/drawing/2014/main" id="{BE484831-C251-4EA6-A6C6-DB90686F210D}"/>
+                <a16:creationId xmlns:a16="http://schemas.microsoft.com/office/drawing/2014/main" xmlns="" id="{BE484831-C251-4EA6-A6C6-DB90686F210D}"/>
               </a:ext>
             </a:extLst>
           </p:cNvPr>
@@ -386,7 +386,7 @@
           <p:cNvPr id="3" name="세로 텍스트 개체 틀 2">
             <a:extLst>
               <a:ext uri="{FF2B5EF4-FFF2-40B4-BE49-F238E27FC236}">
-                <a16:creationId xmlns:a16="http://schemas.microsoft.com/office/drawing/2014/main" id="{2DA18651-F2A4-43E0-AC7A-5992861408AA}"/>
+                <a16:creationId xmlns:a16="http://schemas.microsoft.com/office/drawing/2014/main" xmlns="" id="{2DA18651-F2A4-43E0-AC7A-5992861408AA}"/>
               </a:ext>
             </a:extLst>
           </p:cNvPr>
@@ -443,7 +443,7 @@
           <p:cNvPr id="4" name="날짜 개체 틀 3">
             <a:extLst>
               <a:ext uri="{FF2B5EF4-FFF2-40B4-BE49-F238E27FC236}">
-                <a16:creationId xmlns:a16="http://schemas.microsoft.com/office/drawing/2014/main" id="{FDA043F1-0310-45E9-BA83-EA2D38095103}"/>
+                <a16:creationId xmlns:a16="http://schemas.microsoft.com/office/drawing/2014/main" xmlns="" id="{FDA043F1-0310-45E9-BA83-EA2D38095103}"/>
               </a:ext>
             </a:extLst>
           </p:cNvPr>
@@ -461,7 +461,7 @@
           <a:p>
             <a:fld id="{64DD7884-5903-414B-95E9-D8F82DA7F288}" type="datetimeFigureOut">
               <a:rPr lang="ko-KR" altLang="en-US" smtClean="0"/>
-              <a:t>2020-04-20</a:t>
+              <a:t>2020-04-24</a:t>
             </a:fld>
             <a:endParaRPr lang="ko-KR" altLang="en-US"/>
           </a:p>
@@ -472,7 +472,7 @@
           <p:cNvPr id="5" name="바닥글 개체 틀 4">
             <a:extLst>
               <a:ext uri="{FF2B5EF4-FFF2-40B4-BE49-F238E27FC236}">
-                <a16:creationId xmlns:a16="http://schemas.microsoft.com/office/drawing/2014/main" id="{550B53B0-FE46-433E-B4BE-A0D5BE300AD5}"/>
+                <a16:creationId xmlns:a16="http://schemas.microsoft.com/office/drawing/2014/main" xmlns="" id="{550B53B0-FE46-433E-B4BE-A0D5BE300AD5}"/>
               </a:ext>
             </a:extLst>
           </p:cNvPr>
@@ -497,7 +497,7 @@
           <p:cNvPr id="6" name="슬라이드 번호 개체 틀 5">
             <a:extLst>
               <a:ext uri="{FF2B5EF4-FFF2-40B4-BE49-F238E27FC236}">
-                <a16:creationId xmlns:a16="http://schemas.microsoft.com/office/drawing/2014/main" id="{D06831DA-E4A7-4CF6-8E04-4515B676EAA3}"/>
+                <a16:creationId xmlns:a16="http://schemas.microsoft.com/office/drawing/2014/main" xmlns="" id="{D06831DA-E4A7-4CF6-8E04-4515B676EAA3}"/>
               </a:ext>
             </a:extLst>
           </p:cNvPr>
@@ -556,7 +556,7 @@
           <p:cNvPr id="2" name="세로 제목 1">
             <a:extLst>
               <a:ext uri="{FF2B5EF4-FFF2-40B4-BE49-F238E27FC236}">
-                <a16:creationId xmlns:a16="http://schemas.microsoft.com/office/drawing/2014/main" id="{203119B3-FA3E-48A9-A766-6265B6FD766F}"/>
+                <a16:creationId xmlns:a16="http://schemas.microsoft.com/office/drawing/2014/main" xmlns="" id="{203119B3-FA3E-48A9-A766-6265B6FD766F}"/>
               </a:ext>
             </a:extLst>
           </p:cNvPr>
@@ -589,7 +589,7 @@
           <p:cNvPr id="3" name="세로 텍스트 개체 틀 2">
             <a:extLst>
               <a:ext uri="{FF2B5EF4-FFF2-40B4-BE49-F238E27FC236}">
-                <a16:creationId xmlns:a16="http://schemas.microsoft.com/office/drawing/2014/main" id="{6491D124-AAEE-4EA7-8FA5-960B7CD1E0ED}"/>
+                <a16:creationId xmlns:a16="http://schemas.microsoft.com/office/drawing/2014/main" xmlns="" id="{6491D124-AAEE-4EA7-8FA5-960B7CD1E0ED}"/>
               </a:ext>
             </a:extLst>
           </p:cNvPr>
@@ -651,7 +651,7 @@
           <p:cNvPr id="4" name="날짜 개체 틀 3">
             <a:extLst>
               <a:ext uri="{FF2B5EF4-FFF2-40B4-BE49-F238E27FC236}">
-                <a16:creationId xmlns:a16="http://schemas.microsoft.com/office/drawing/2014/main" id="{9E7CB0F9-8F5A-495C-B76F-98A50E5550BE}"/>
+                <a16:creationId xmlns:a16="http://schemas.microsoft.com/office/drawing/2014/main" xmlns="" id="{9E7CB0F9-8F5A-495C-B76F-98A50E5550BE}"/>
               </a:ext>
             </a:extLst>
           </p:cNvPr>
@@ -669,7 +669,7 @@
           <a:p>
             <a:fld id="{64DD7884-5903-414B-95E9-D8F82DA7F288}" type="datetimeFigureOut">
               <a:rPr lang="ko-KR" altLang="en-US" smtClean="0"/>
-              <a:t>2020-04-20</a:t>
+              <a:t>2020-04-24</a:t>
             </a:fld>
             <a:endParaRPr lang="ko-KR" altLang="en-US"/>
           </a:p>
@@ -680,7 +680,7 @@
           <p:cNvPr id="5" name="바닥글 개체 틀 4">
             <a:extLst>
               <a:ext uri="{FF2B5EF4-FFF2-40B4-BE49-F238E27FC236}">
-                <a16:creationId xmlns:a16="http://schemas.microsoft.com/office/drawing/2014/main" id="{E506525F-C040-427A-A273-7A59DD5A7332}"/>
+                <a16:creationId xmlns:a16="http://schemas.microsoft.com/office/drawing/2014/main" xmlns="" id="{E506525F-C040-427A-A273-7A59DD5A7332}"/>
               </a:ext>
             </a:extLst>
           </p:cNvPr>
@@ -705,7 +705,7 @@
           <p:cNvPr id="6" name="슬라이드 번호 개체 틀 5">
             <a:extLst>
               <a:ext uri="{FF2B5EF4-FFF2-40B4-BE49-F238E27FC236}">
-                <a16:creationId xmlns:a16="http://schemas.microsoft.com/office/drawing/2014/main" id="{EFC8D3AF-8953-4B83-BBC8-EA731FD4F4F1}"/>
+                <a16:creationId xmlns:a16="http://schemas.microsoft.com/office/drawing/2014/main" xmlns="" id="{EFC8D3AF-8953-4B83-BBC8-EA731FD4F4F1}"/>
               </a:ext>
             </a:extLst>
           </p:cNvPr>
@@ -764,7 +764,7 @@
           <p:cNvPr id="2" name="제목 1">
             <a:extLst>
               <a:ext uri="{FF2B5EF4-FFF2-40B4-BE49-F238E27FC236}">
-                <a16:creationId xmlns:a16="http://schemas.microsoft.com/office/drawing/2014/main" id="{5086FE37-8B4D-43AD-A61C-1998C16253F5}"/>
+                <a16:creationId xmlns:a16="http://schemas.microsoft.com/office/drawing/2014/main" xmlns="" id="{5086FE37-8B4D-43AD-A61C-1998C16253F5}"/>
               </a:ext>
             </a:extLst>
           </p:cNvPr>
@@ -792,7 +792,7 @@
           <p:cNvPr id="3" name="내용 개체 틀 2">
             <a:extLst>
               <a:ext uri="{FF2B5EF4-FFF2-40B4-BE49-F238E27FC236}">
-                <a16:creationId xmlns:a16="http://schemas.microsoft.com/office/drawing/2014/main" id="{C5DDAFF4-0E55-416B-B80F-C700A52BD86F}"/>
+                <a16:creationId xmlns:a16="http://schemas.microsoft.com/office/drawing/2014/main" xmlns="" id="{C5DDAFF4-0E55-416B-B80F-C700A52BD86F}"/>
               </a:ext>
             </a:extLst>
           </p:cNvPr>
@@ -849,7 +849,7 @@
           <p:cNvPr id="4" name="날짜 개체 틀 3">
             <a:extLst>
               <a:ext uri="{FF2B5EF4-FFF2-40B4-BE49-F238E27FC236}">
-                <a16:creationId xmlns:a16="http://schemas.microsoft.com/office/drawing/2014/main" id="{A3C9CADB-AB27-49DA-A8F8-9D198B951364}"/>
+                <a16:creationId xmlns:a16="http://schemas.microsoft.com/office/drawing/2014/main" xmlns="" id="{A3C9CADB-AB27-49DA-A8F8-9D198B951364}"/>
               </a:ext>
             </a:extLst>
           </p:cNvPr>
@@ -867,7 +867,7 @@
           <a:p>
             <a:fld id="{64DD7884-5903-414B-95E9-D8F82DA7F288}" type="datetimeFigureOut">
               <a:rPr lang="ko-KR" altLang="en-US" smtClean="0"/>
-              <a:t>2020-04-20</a:t>
+              <a:t>2020-04-24</a:t>
             </a:fld>
             <a:endParaRPr lang="ko-KR" altLang="en-US"/>
           </a:p>
@@ -878,7 +878,7 @@
           <p:cNvPr id="5" name="바닥글 개체 틀 4">
             <a:extLst>
               <a:ext uri="{FF2B5EF4-FFF2-40B4-BE49-F238E27FC236}">
-                <a16:creationId xmlns:a16="http://schemas.microsoft.com/office/drawing/2014/main" id="{2601C34B-FF29-46E7-BCD8-20BCD382DA22}"/>
+                <a16:creationId xmlns:a16="http://schemas.microsoft.com/office/drawing/2014/main" xmlns="" id="{2601C34B-FF29-46E7-BCD8-20BCD382DA22}"/>
               </a:ext>
             </a:extLst>
           </p:cNvPr>
@@ -903,7 +903,7 @@
           <p:cNvPr id="6" name="슬라이드 번호 개체 틀 5">
             <a:extLst>
               <a:ext uri="{FF2B5EF4-FFF2-40B4-BE49-F238E27FC236}">
-                <a16:creationId xmlns:a16="http://schemas.microsoft.com/office/drawing/2014/main" id="{5E0FD432-F418-4288-AA03-F64BAEF71179}"/>
+                <a16:creationId xmlns:a16="http://schemas.microsoft.com/office/drawing/2014/main" xmlns="" id="{5E0FD432-F418-4288-AA03-F64BAEF71179}"/>
               </a:ext>
             </a:extLst>
           </p:cNvPr>
@@ -962,7 +962,7 @@
           <p:cNvPr id="2" name="제목 1">
             <a:extLst>
               <a:ext uri="{FF2B5EF4-FFF2-40B4-BE49-F238E27FC236}">
-                <a16:creationId xmlns:a16="http://schemas.microsoft.com/office/drawing/2014/main" id="{0840E77F-0EB7-45B3-8601-1834BDC798DA}"/>
+                <a16:creationId xmlns:a16="http://schemas.microsoft.com/office/drawing/2014/main" xmlns="" id="{0840E77F-0EB7-45B3-8601-1834BDC798DA}"/>
               </a:ext>
             </a:extLst>
           </p:cNvPr>
@@ -999,7 +999,7 @@
           <p:cNvPr id="3" name="텍스트 개체 틀 2">
             <a:extLst>
               <a:ext uri="{FF2B5EF4-FFF2-40B4-BE49-F238E27FC236}">
-                <a16:creationId xmlns:a16="http://schemas.microsoft.com/office/drawing/2014/main" id="{F238D547-85D7-4514-A0BC-4E99C3B8296E}"/>
+                <a16:creationId xmlns:a16="http://schemas.microsoft.com/office/drawing/2014/main" xmlns="" id="{F238D547-85D7-4514-A0BC-4E99C3B8296E}"/>
               </a:ext>
             </a:extLst>
           </p:cNvPr>
@@ -1124,7 +1124,7 @@
           <p:cNvPr id="4" name="날짜 개체 틀 3">
             <a:extLst>
               <a:ext uri="{FF2B5EF4-FFF2-40B4-BE49-F238E27FC236}">
-                <a16:creationId xmlns:a16="http://schemas.microsoft.com/office/drawing/2014/main" id="{B5D273C6-9087-4F11-BEF3-31564B643C73}"/>
+                <a16:creationId xmlns:a16="http://schemas.microsoft.com/office/drawing/2014/main" xmlns="" id="{B5D273C6-9087-4F11-BEF3-31564B643C73}"/>
               </a:ext>
             </a:extLst>
           </p:cNvPr>
@@ -1142,7 +1142,7 @@
           <a:p>
             <a:fld id="{64DD7884-5903-414B-95E9-D8F82DA7F288}" type="datetimeFigureOut">
               <a:rPr lang="ko-KR" altLang="en-US" smtClean="0"/>
-              <a:t>2020-04-20</a:t>
+              <a:t>2020-04-24</a:t>
             </a:fld>
             <a:endParaRPr lang="ko-KR" altLang="en-US"/>
           </a:p>
@@ -1153,7 +1153,7 @@
           <p:cNvPr id="5" name="바닥글 개체 틀 4">
             <a:extLst>
               <a:ext uri="{FF2B5EF4-FFF2-40B4-BE49-F238E27FC236}">
-                <a16:creationId xmlns:a16="http://schemas.microsoft.com/office/drawing/2014/main" id="{D1D3A354-581B-4F97-AF40-34568CDF6ABE}"/>
+                <a16:creationId xmlns:a16="http://schemas.microsoft.com/office/drawing/2014/main" xmlns="" id="{D1D3A354-581B-4F97-AF40-34568CDF6ABE}"/>
               </a:ext>
             </a:extLst>
           </p:cNvPr>
@@ -1178,7 +1178,7 @@
           <p:cNvPr id="6" name="슬라이드 번호 개체 틀 5">
             <a:extLst>
               <a:ext uri="{FF2B5EF4-FFF2-40B4-BE49-F238E27FC236}">
-                <a16:creationId xmlns:a16="http://schemas.microsoft.com/office/drawing/2014/main" id="{D8903FA5-5E2A-4DC8-AEFB-C76D8BC79539}"/>
+                <a16:creationId xmlns:a16="http://schemas.microsoft.com/office/drawing/2014/main" xmlns="" id="{D8903FA5-5E2A-4DC8-AEFB-C76D8BC79539}"/>
               </a:ext>
             </a:extLst>
           </p:cNvPr>
@@ -1237,7 +1237,7 @@
           <p:cNvPr id="2" name="제목 1">
             <a:extLst>
               <a:ext uri="{FF2B5EF4-FFF2-40B4-BE49-F238E27FC236}">
-                <a16:creationId xmlns:a16="http://schemas.microsoft.com/office/drawing/2014/main" id="{9CA43389-3373-467E-9382-D61086D695EB}"/>
+                <a16:creationId xmlns:a16="http://schemas.microsoft.com/office/drawing/2014/main" xmlns="" id="{9CA43389-3373-467E-9382-D61086D695EB}"/>
               </a:ext>
             </a:extLst>
           </p:cNvPr>
@@ -1265,7 +1265,7 @@
           <p:cNvPr id="3" name="내용 개체 틀 2">
             <a:extLst>
               <a:ext uri="{FF2B5EF4-FFF2-40B4-BE49-F238E27FC236}">
-                <a16:creationId xmlns:a16="http://schemas.microsoft.com/office/drawing/2014/main" id="{D3154106-A961-4E20-87F8-2FADD1279C0D}"/>
+                <a16:creationId xmlns:a16="http://schemas.microsoft.com/office/drawing/2014/main" xmlns="" id="{D3154106-A961-4E20-87F8-2FADD1279C0D}"/>
               </a:ext>
             </a:extLst>
           </p:cNvPr>
@@ -1327,7 +1327,7 @@
           <p:cNvPr id="4" name="내용 개체 틀 3">
             <a:extLst>
               <a:ext uri="{FF2B5EF4-FFF2-40B4-BE49-F238E27FC236}">
-                <a16:creationId xmlns:a16="http://schemas.microsoft.com/office/drawing/2014/main" id="{53209203-9FBE-4ABF-9C99-72E83E817853}"/>
+                <a16:creationId xmlns:a16="http://schemas.microsoft.com/office/drawing/2014/main" xmlns="" id="{53209203-9FBE-4ABF-9C99-72E83E817853}"/>
               </a:ext>
             </a:extLst>
           </p:cNvPr>
@@ -1389,7 +1389,7 @@
           <p:cNvPr id="5" name="날짜 개체 틀 4">
             <a:extLst>
               <a:ext uri="{FF2B5EF4-FFF2-40B4-BE49-F238E27FC236}">
-                <a16:creationId xmlns:a16="http://schemas.microsoft.com/office/drawing/2014/main" id="{2799E4F9-4BBB-425C-93F7-86690472FCFB}"/>
+                <a16:creationId xmlns:a16="http://schemas.microsoft.com/office/drawing/2014/main" xmlns="" id="{2799E4F9-4BBB-425C-93F7-86690472FCFB}"/>
               </a:ext>
             </a:extLst>
           </p:cNvPr>
@@ -1407,7 +1407,7 @@
           <a:p>
             <a:fld id="{64DD7884-5903-414B-95E9-D8F82DA7F288}" type="datetimeFigureOut">
               <a:rPr lang="ko-KR" altLang="en-US" smtClean="0"/>
-              <a:t>2020-04-20</a:t>
+              <a:t>2020-04-24</a:t>
             </a:fld>
             <a:endParaRPr lang="ko-KR" altLang="en-US"/>
           </a:p>
@@ -1418,7 +1418,7 @@
           <p:cNvPr id="6" name="바닥글 개체 틀 5">
             <a:extLst>
               <a:ext uri="{FF2B5EF4-FFF2-40B4-BE49-F238E27FC236}">
-                <a16:creationId xmlns:a16="http://schemas.microsoft.com/office/drawing/2014/main" id="{1BA29039-AF7E-4042-B304-499A65B2DA3E}"/>
+                <a16:creationId xmlns:a16="http://schemas.microsoft.com/office/drawing/2014/main" xmlns="" id="{1BA29039-AF7E-4042-B304-499A65B2DA3E}"/>
               </a:ext>
             </a:extLst>
           </p:cNvPr>
@@ -1443,7 +1443,7 @@
           <p:cNvPr id="7" name="슬라이드 번호 개체 틀 6">
             <a:extLst>
               <a:ext uri="{FF2B5EF4-FFF2-40B4-BE49-F238E27FC236}">
-                <a16:creationId xmlns:a16="http://schemas.microsoft.com/office/drawing/2014/main" id="{8642CEFB-073C-489A-B7A9-142B6F8D1019}"/>
+                <a16:creationId xmlns:a16="http://schemas.microsoft.com/office/drawing/2014/main" xmlns="" id="{8642CEFB-073C-489A-B7A9-142B6F8D1019}"/>
               </a:ext>
             </a:extLst>
           </p:cNvPr>
@@ -1502,7 +1502,7 @@
           <p:cNvPr id="2" name="제목 1">
             <a:extLst>
               <a:ext uri="{FF2B5EF4-FFF2-40B4-BE49-F238E27FC236}">
-                <a16:creationId xmlns:a16="http://schemas.microsoft.com/office/drawing/2014/main" id="{7883C2EF-0FB4-45B3-8BAF-781A93339887}"/>
+                <a16:creationId xmlns:a16="http://schemas.microsoft.com/office/drawing/2014/main" xmlns="" id="{7883C2EF-0FB4-45B3-8BAF-781A93339887}"/>
               </a:ext>
             </a:extLst>
           </p:cNvPr>
@@ -1535,7 +1535,7 @@
           <p:cNvPr id="3" name="텍스트 개체 틀 2">
             <a:extLst>
               <a:ext uri="{FF2B5EF4-FFF2-40B4-BE49-F238E27FC236}">
-                <a16:creationId xmlns:a16="http://schemas.microsoft.com/office/drawing/2014/main" id="{494ECD43-0431-4277-A20E-DE779987BBEA}"/>
+                <a16:creationId xmlns:a16="http://schemas.microsoft.com/office/drawing/2014/main" xmlns="" id="{494ECD43-0431-4277-A20E-DE779987BBEA}"/>
               </a:ext>
             </a:extLst>
           </p:cNvPr>
@@ -1606,7 +1606,7 @@
           <p:cNvPr id="4" name="내용 개체 틀 3">
             <a:extLst>
               <a:ext uri="{FF2B5EF4-FFF2-40B4-BE49-F238E27FC236}">
-                <a16:creationId xmlns:a16="http://schemas.microsoft.com/office/drawing/2014/main" id="{51339FF2-6D9A-4789-8BC3-2A6BA5290A94}"/>
+                <a16:creationId xmlns:a16="http://schemas.microsoft.com/office/drawing/2014/main" xmlns="" id="{51339FF2-6D9A-4789-8BC3-2A6BA5290A94}"/>
               </a:ext>
             </a:extLst>
           </p:cNvPr>
@@ -1668,7 +1668,7 @@
           <p:cNvPr id="5" name="텍스트 개체 틀 4">
             <a:extLst>
               <a:ext uri="{FF2B5EF4-FFF2-40B4-BE49-F238E27FC236}">
-                <a16:creationId xmlns:a16="http://schemas.microsoft.com/office/drawing/2014/main" id="{9E3E39C5-3767-431B-AEC3-A230DAF0F3F5}"/>
+                <a16:creationId xmlns:a16="http://schemas.microsoft.com/office/drawing/2014/main" xmlns="" id="{9E3E39C5-3767-431B-AEC3-A230DAF0F3F5}"/>
               </a:ext>
             </a:extLst>
           </p:cNvPr>
@@ -1739,7 +1739,7 @@
           <p:cNvPr id="6" name="내용 개체 틀 5">
             <a:extLst>
               <a:ext uri="{FF2B5EF4-FFF2-40B4-BE49-F238E27FC236}">
-                <a16:creationId xmlns:a16="http://schemas.microsoft.com/office/drawing/2014/main" id="{5DDFDF66-F1BF-405A-A821-9FA019D1FDB8}"/>
+                <a16:creationId xmlns:a16="http://schemas.microsoft.com/office/drawing/2014/main" xmlns="" id="{5DDFDF66-F1BF-405A-A821-9FA019D1FDB8}"/>
               </a:ext>
             </a:extLst>
           </p:cNvPr>
@@ -1801,7 +1801,7 @@
           <p:cNvPr id="7" name="날짜 개체 틀 6">
             <a:extLst>
               <a:ext uri="{FF2B5EF4-FFF2-40B4-BE49-F238E27FC236}">
-                <a16:creationId xmlns:a16="http://schemas.microsoft.com/office/drawing/2014/main" id="{ECF0BDEC-4B86-4F73-A4ED-5C8B83064D12}"/>
+                <a16:creationId xmlns:a16="http://schemas.microsoft.com/office/drawing/2014/main" xmlns="" id="{ECF0BDEC-4B86-4F73-A4ED-5C8B83064D12}"/>
               </a:ext>
             </a:extLst>
           </p:cNvPr>
@@ -1819,7 +1819,7 @@
           <a:p>
             <a:fld id="{64DD7884-5903-414B-95E9-D8F82DA7F288}" type="datetimeFigureOut">
               <a:rPr lang="ko-KR" altLang="en-US" smtClean="0"/>
-              <a:t>2020-04-20</a:t>
+              <a:t>2020-04-24</a:t>
             </a:fld>
             <a:endParaRPr lang="ko-KR" altLang="en-US"/>
           </a:p>
@@ -1830,7 +1830,7 @@
           <p:cNvPr id="8" name="바닥글 개체 틀 7">
             <a:extLst>
               <a:ext uri="{FF2B5EF4-FFF2-40B4-BE49-F238E27FC236}">
-                <a16:creationId xmlns:a16="http://schemas.microsoft.com/office/drawing/2014/main" id="{57CD3DCB-44DF-4D4A-B5C5-3E4848CD5D0D}"/>
+                <a16:creationId xmlns:a16="http://schemas.microsoft.com/office/drawing/2014/main" xmlns="" id="{57CD3DCB-44DF-4D4A-B5C5-3E4848CD5D0D}"/>
               </a:ext>
             </a:extLst>
           </p:cNvPr>
@@ -1855,7 +1855,7 @@
           <p:cNvPr id="9" name="슬라이드 번호 개체 틀 8">
             <a:extLst>
               <a:ext uri="{FF2B5EF4-FFF2-40B4-BE49-F238E27FC236}">
-                <a16:creationId xmlns:a16="http://schemas.microsoft.com/office/drawing/2014/main" id="{AB7E52AB-BED4-42BF-8574-B7F0FB7901E6}"/>
+                <a16:creationId xmlns:a16="http://schemas.microsoft.com/office/drawing/2014/main" xmlns="" id="{AB7E52AB-BED4-42BF-8574-B7F0FB7901E6}"/>
               </a:ext>
             </a:extLst>
           </p:cNvPr>
@@ -1914,7 +1914,7 @@
           <p:cNvPr id="2" name="제목 1">
             <a:extLst>
               <a:ext uri="{FF2B5EF4-FFF2-40B4-BE49-F238E27FC236}">
-                <a16:creationId xmlns:a16="http://schemas.microsoft.com/office/drawing/2014/main" id="{57572D7D-6013-40A7-A4A1-9D634B5DD7E5}"/>
+                <a16:creationId xmlns:a16="http://schemas.microsoft.com/office/drawing/2014/main" xmlns="" id="{57572D7D-6013-40A7-A4A1-9D634B5DD7E5}"/>
               </a:ext>
             </a:extLst>
           </p:cNvPr>
@@ -1942,7 +1942,7 @@
           <p:cNvPr id="3" name="날짜 개체 틀 2">
             <a:extLst>
               <a:ext uri="{FF2B5EF4-FFF2-40B4-BE49-F238E27FC236}">
-                <a16:creationId xmlns:a16="http://schemas.microsoft.com/office/drawing/2014/main" id="{A54E16F0-4F1E-448E-8E95-D82ED2317ACF}"/>
+                <a16:creationId xmlns:a16="http://schemas.microsoft.com/office/drawing/2014/main" xmlns="" id="{A54E16F0-4F1E-448E-8E95-D82ED2317ACF}"/>
               </a:ext>
             </a:extLst>
           </p:cNvPr>
@@ -1960,7 +1960,7 @@
           <a:p>
             <a:fld id="{64DD7884-5903-414B-95E9-D8F82DA7F288}" type="datetimeFigureOut">
               <a:rPr lang="ko-KR" altLang="en-US" smtClean="0"/>
-              <a:t>2020-04-20</a:t>
+              <a:t>2020-04-24</a:t>
             </a:fld>
             <a:endParaRPr lang="ko-KR" altLang="en-US"/>
           </a:p>
@@ -1971,7 +1971,7 @@
           <p:cNvPr id="4" name="바닥글 개체 틀 3">
             <a:extLst>
               <a:ext uri="{FF2B5EF4-FFF2-40B4-BE49-F238E27FC236}">
-                <a16:creationId xmlns:a16="http://schemas.microsoft.com/office/drawing/2014/main" id="{BDBAA7F9-9088-477F-90A1-4982BE29A9F2}"/>
+                <a16:creationId xmlns:a16="http://schemas.microsoft.com/office/drawing/2014/main" xmlns="" id="{BDBAA7F9-9088-477F-90A1-4982BE29A9F2}"/>
               </a:ext>
             </a:extLst>
           </p:cNvPr>
@@ -1996,7 +1996,7 @@
           <p:cNvPr id="5" name="슬라이드 번호 개체 틀 4">
             <a:extLst>
               <a:ext uri="{FF2B5EF4-FFF2-40B4-BE49-F238E27FC236}">
-                <a16:creationId xmlns:a16="http://schemas.microsoft.com/office/drawing/2014/main" id="{0DDBA2F9-348F-40B4-8177-19A2D8610CF0}"/>
+                <a16:creationId xmlns:a16="http://schemas.microsoft.com/office/drawing/2014/main" xmlns="" id="{0DDBA2F9-348F-40B4-8177-19A2D8610CF0}"/>
               </a:ext>
             </a:extLst>
           </p:cNvPr>
@@ -2055,7 +2055,7 @@
           <p:cNvPr id="2" name="날짜 개체 틀 1">
             <a:extLst>
               <a:ext uri="{FF2B5EF4-FFF2-40B4-BE49-F238E27FC236}">
-                <a16:creationId xmlns:a16="http://schemas.microsoft.com/office/drawing/2014/main" id="{07BE3DC3-329E-4E1E-A9B7-50E5ECAD8A0D}"/>
+                <a16:creationId xmlns:a16="http://schemas.microsoft.com/office/drawing/2014/main" xmlns="" id="{07BE3DC3-329E-4E1E-A9B7-50E5ECAD8A0D}"/>
               </a:ext>
             </a:extLst>
           </p:cNvPr>
@@ -2073,7 +2073,7 @@
           <a:p>
             <a:fld id="{64DD7884-5903-414B-95E9-D8F82DA7F288}" type="datetimeFigureOut">
               <a:rPr lang="ko-KR" altLang="en-US" smtClean="0"/>
-              <a:t>2020-04-20</a:t>
+              <a:t>2020-04-24</a:t>
             </a:fld>
             <a:endParaRPr lang="ko-KR" altLang="en-US"/>
           </a:p>
@@ -2084,7 +2084,7 @@
           <p:cNvPr id="3" name="바닥글 개체 틀 2">
             <a:extLst>
               <a:ext uri="{FF2B5EF4-FFF2-40B4-BE49-F238E27FC236}">
-                <a16:creationId xmlns:a16="http://schemas.microsoft.com/office/drawing/2014/main" id="{4A22B6E0-AB30-4AF8-9B9B-3C173E605302}"/>
+                <a16:creationId xmlns:a16="http://schemas.microsoft.com/office/drawing/2014/main" xmlns="" id="{4A22B6E0-AB30-4AF8-9B9B-3C173E605302}"/>
               </a:ext>
             </a:extLst>
           </p:cNvPr>
@@ -2109,7 +2109,7 @@
           <p:cNvPr id="4" name="슬라이드 번호 개체 틀 3">
             <a:extLst>
               <a:ext uri="{FF2B5EF4-FFF2-40B4-BE49-F238E27FC236}">
-                <a16:creationId xmlns:a16="http://schemas.microsoft.com/office/drawing/2014/main" id="{73DF2326-5E8A-43EB-829F-ECA48E86BCE8}"/>
+                <a16:creationId xmlns:a16="http://schemas.microsoft.com/office/drawing/2014/main" xmlns="" id="{73DF2326-5E8A-43EB-829F-ECA48E86BCE8}"/>
               </a:ext>
             </a:extLst>
           </p:cNvPr>
@@ -2168,7 +2168,7 @@
           <p:cNvPr id="2" name="제목 1">
             <a:extLst>
               <a:ext uri="{FF2B5EF4-FFF2-40B4-BE49-F238E27FC236}">
-                <a16:creationId xmlns:a16="http://schemas.microsoft.com/office/drawing/2014/main" id="{0564588C-C02F-4426-9B4F-81D442405852}"/>
+                <a16:creationId xmlns:a16="http://schemas.microsoft.com/office/drawing/2014/main" xmlns="" id="{0564588C-C02F-4426-9B4F-81D442405852}"/>
               </a:ext>
             </a:extLst>
           </p:cNvPr>
@@ -2205,7 +2205,7 @@
           <p:cNvPr id="3" name="내용 개체 틀 2">
             <a:extLst>
               <a:ext uri="{FF2B5EF4-FFF2-40B4-BE49-F238E27FC236}">
-                <a16:creationId xmlns:a16="http://schemas.microsoft.com/office/drawing/2014/main" id="{B8A5E4C2-0535-4947-A5BF-2761F69DEF7C}"/>
+                <a16:creationId xmlns:a16="http://schemas.microsoft.com/office/drawing/2014/main" xmlns="" id="{B8A5E4C2-0535-4947-A5BF-2761F69DEF7C}"/>
               </a:ext>
             </a:extLst>
           </p:cNvPr>
@@ -2295,7 +2295,7 @@
           <p:cNvPr id="4" name="텍스트 개체 틀 3">
             <a:extLst>
               <a:ext uri="{FF2B5EF4-FFF2-40B4-BE49-F238E27FC236}">
-                <a16:creationId xmlns:a16="http://schemas.microsoft.com/office/drawing/2014/main" id="{51BA25BA-D19E-4F11-A798-918B424243E1}"/>
+                <a16:creationId xmlns:a16="http://schemas.microsoft.com/office/drawing/2014/main" xmlns="" id="{51BA25BA-D19E-4F11-A798-918B424243E1}"/>
               </a:ext>
             </a:extLst>
           </p:cNvPr>
@@ -2366,7 +2366,7 @@
           <p:cNvPr id="5" name="날짜 개체 틀 4">
             <a:extLst>
               <a:ext uri="{FF2B5EF4-FFF2-40B4-BE49-F238E27FC236}">
-                <a16:creationId xmlns:a16="http://schemas.microsoft.com/office/drawing/2014/main" id="{A0B53762-E034-486D-896C-1DA9BA80FA0F}"/>
+                <a16:creationId xmlns:a16="http://schemas.microsoft.com/office/drawing/2014/main" xmlns="" id="{A0B53762-E034-486D-896C-1DA9BA80FA0F}"/>
               </a:ext>
             </a:extLst>
           </p:cNvPr>
@@ -2384,7 +2384,7 @@
           <a:p>
             <a:fld id="{64DD7884-5903-414B-95E9-D8F82DA7F288}" type="datetimeFigureOut">
               <a:rPr lang="ko-KR" altLang="en-US" smtClean="0"/>
-              <a:t>2020-04-20</a:t>
+              <a:t>2020-04-24</a:t>
             </a:fld>
             <a:endParaRPr lang="ko-KR" altLang="en-US"/>
           </a:p>
@@ -2395,7 +2395,7 @@
           <p:cNvPr id="6" name="바닥글 개체 틀 5">
             <a:extLst>
               <a:ext uri="{FF2B5EF4-FFF2-40B4-BE49-F238E27FC236}">
-                <a16:creationId xmlns:a16="http://schemas.microsoft.com/office/drawing/2014/main" id="{5831A2AB-F5B6-4855-A755-DF4E3E031393}"/>
+                <a16:creationId xmlns:a16="http://schemas.microsoft.com/office/drawing/2014/main" xmlns="" id="{5831A2AB-F5B6-4855-A755-DF4E3E031393}"/>
               </a:ext>
             </a:extLst>
           </p:cNvPr>
@@ -2420,7 +2420,7 @@
           <p:cNvPr id="7" name="슬라이드 번호 개체 틀 6">
             <a:extLst>
               <a:ext uri="{FF2B5EF4-FFF2-40B4-BE49-F238E27FC236}">
-                <a16:creationId xmlns:a16="http://schemas.microsoft.com/office/drawing/2014/main" id="{A0173D44-73C6-49CA-86E4-AC56A93F4372}"/>
+                <a16:creationId xmlns:a16="http://schemas.microsoft.com/office/drawing/2014/main" xmlns="" id="{A0173D44-73C6-49CA-86E4-AC56A93F4372}"/>
               </a:ext>
             </a:extLst>
           </p:cNvPr>
@@ -2479,7 +2479,7 @@
           <p:cNvPr id="2" name="제목 1">
             <a:extLst>
               <a:ext uri="{FF2B5EF4-FFF2-40B4-BE49-F238E27FC236}">
-                <a16:creationId xmlns:a16="http://schemas.microsoft.com/office/drawing/2014/main" id="{35C12089-261E-4D96-9104-CD3963E07F44}"/>
+                <a16:creationId xmlns:a16="http://schemas.microsoft.com/office/drawing/2014/main" xmlns="" id="{35C12089-261E-4D96-9104-CD3963E07F44}"/>
               </a:ext>
             </a:extLst>
           </p:cNvPr>
@@ -2516,7 +2516,7 @@
           <p:cNvPr id="3" name="그림 개체 틀 2">
             <a:extLst>
               <a:ext uri="{FF2B5EF4-FFF2-40B4-BE49-F238E27FC236}">
-                <a16:creationId xmlns:a16="http://schemas.microsoft.com/office/drawing/2014/main" id="{882E6A91-1F8C-498E-B788-97AC42E5A562}"/>
+                <a16:creationId xmlns:a16="http://schemas.microsoft.com/office/drawing/2014/main" xmlns="" id="{882E6A91-1F8C-498E-B788-97AC42E5A562}"/>
               </a:ext>
             </a:extLst>
           </p:cNvPr>
@@ -2583,7 +2583,7 @@
           <p:cNvPr id="4" name="텍스트 개체 틀 3">
             <a:extLst>
               <a:ext uri="{FF2B5EF4-FFF2-40B4-BE49-F238E27FC236}">
-                <a16:creationId xmlns:a16="http://schemas.microsoft.com/office/drawing/2014/main" id="{747F9BDE-426C-4E75-B94D-E0E483B8EF9F}"/>
+                <a16:creationId xmlns:a16="http://schemas.microsoft.com/office/drawing/2014/main" xmlns="" id="{747F9BDE-426C-4E75-B94D-E0E483B8EF9F}"/>
               </a:ext>
             </a:extLst>
           </p:cNvPr>
@@ -2654,7 +2654,7 @@
           <p:cNvPr id="5" name="날짜 개체 틀 4">
             <a:extLst>
               <a:ext uri="{FF2B5EF4-FFF2-40B4-BE49-F238E27FC236}">
-                <a16:creationId xmlns:a16="http://schemas.microsoft.com/office/drawing/2014/main" id="{98729AD7-7084-48FE-8E44-E09F1230F895}"/>
+                <a16:creationId xmlns:a16="http://schemas.microsoft.com/office/drawing/2014/main" xmlns="" id="{98729AD7-7084-48FE-8E44-E09F1230F895}"/>
               </a:ext>
             </a:extLst>
           </p:cNvPr>
@@ -2672,7 +2672,7 @@
           <a:p>
             <a:fld id="{64DD7884-5903-414B-95E9-D8F82DA7F288}" type="datetimeFigureOut">
               <a:rPr lang="ko-KR" altLang="en-US" smtClean="0"/>
-              <a:t>2020-04-20</a:t>
+              <a:t>2020-04-24</a:t>
             </a:fld>
             <a:endParaRPr lang="ko-KR" altLang="en-US"/>
           </a:p>
@@ -2683,7 +2683,7 @@
           <p:cNvPr id="6" name="바닥글 개체 틀 5">
             <a:extLst>
               <a:ext uri="{FF2B5EF4-FFF2-40B4-BE49-F238E27FC236}">
-                <a16:creationId xmlns:a16="http://schemas.microsoft.com/office/drawing/2014/main" id="{FB1AC4FA-BDB2-4D75-BD89-60ABB84C177C}"/>
+                <a16:creationId xmlns:a16="http://schemas.microsoft.com/office/drawing/2014/main" xmlns="" id="{FB1AC4FA-BDB2-4D75-BD89-60ABB84C177C}"/>
               </a:ext>
             </a:extLst>
           </p:cNvPr>
@@ -2708,7 +2708,7 @@
           <p:cNvPr id="7" name="슬라이드 번호 개체 틀 6">
             <a:extLst>
               <a:ext uri="{FF2B5EF4-FFF2-40B4-BE49-F238E27FC236}">
-                <a16:creationId xmlns:a16="http://schemas.microsoft.com/office/drawing/2014/main" id="{23A2D09C-C25C-4A8C-A0CE-791A0CB38D56}"/>
+                <a16:creationId xmlns:a16="http://schemas.microsoft.com/office/drawing/2014/main" xmlns="" id="{23A2D09C-C25C-4A8C-A0CE-791A0CB38D56}"/>
               </a:ext>
             </a:extLst>
           </p:cNvPr>
@@ -2772,7 +2772,7 @@
           <p:cNvPr id="2" name="제목 개체 틀 1">
             <a:extLst>
               <a:ext uri="{FF2B5EF4-FFF2-40B4-BE49-F238E27FC236}">
-                <a16:creationId xmlns:a16="http://schemas.microsoft.com/office/drawing/2014/main" id="{00437989-EB66-46CC-B279-3073449CC7C0}"/>
+                <a16:creationId xmlns:a16="http://schemas.microsoft.com/office/drawing/2014/main" xmlns="" id="{00437989-EB66-46CC-B279-3073449CC7C0}"/>
               </a:ext>
             </a:extLst>
           </p:cNvPr>
@@ -2810,7 +2810,7 @@
           <p:cNvPr id="3" name="텍스트 개체 틀 2">
             <a:extLst>
               <a:ext uri="{FF2B5EF4-FFF2-40B4-BE49-F238E27FC236}">
-                <a16:creationId xmlns:a16="http://schemas.microsoft.com/office/drawing/2014/main" id="{4929C572-AD37-44E4-81BA-B3EF206EFE1C}"/>
+                <a16:creationId xmlns:a16="http://schemas.microsoft.com/office/drawing/2014/main" xmlns="" id="{4929C572-AD37-44E4-81BA-B3EF206EFE1C}"/>
               </a:ext>
             </a:extLst>
           </p:cNvPr>
@@ -2877,7 +2877,7 @@
           <p:cNvPr id="4" name="날짜 개체 틀 3">
             <a:extLst>
               <a:ext uri="{FF2B5EF4-FFF2-40B4-BE49-F238E27FC236}">
-                <a16:creationId xmlns:a16="http://schemas.microsoft.com/office/drawing/2014/main" id="{9DB2945E-8F57-4086-A123-4D7B9B437318}"/>
+                <a16:creationId xmlns:a16="http://schemas.microsoft.com/office/drawing/2014/main" xmlns="" id="{9DB2945E-8F57-4086-A123-4D7B9B437318}"/>
               </a:ext>
             </a:extLst>
           </p:cNvPr>
@@ -2913,7 +2913,7 @@
           <a:p>
             <a:fld id="{64DD7884-5903-414B-95E9-D8F82DA7F288}" type="datetimeFigureOut">
               <a:rPr lang="ko-KR" altLang="en-US" smtClean="0"/>
-              <a:t>2020-04-20</a:t>
+              <a:t>2020-04-24</a:t>
             </a:fld>
             <a:endParaRPr lang="ko-KR" altLang="en-US"/>
           </a:p>
@@ -2924,7 +2924,7 @@
           <p:cNvPr id="5" name="바닥글 개체 틀 4">
             <a:extLst>
               <a:ext uri="{FF2B5EF4-FFF2-40B4-BE49-F238E27FC236}">
-                <a16:creationId xmlns:a16="http://schemas.microsoft.com/office/drawing/2014/main" id="{69908725-F7F5-419C-87B9-2F804C9A611F}"/>
+                <a16:creationId xmlns:a16="http://schemas.microsoft.com/office/drawing/2014/main" xmlns="" id="{69908725-F7F5-419C-87B9-2F804C9A611F}"/>
               </a:ext>
             </a:extLst>
           </p:cNvPr>
@@ -2967,7 +2967,7 @@
           <p:cNvPr id="6" name="슬라이드 번호 개체 틀 5">
             <a:extLst>
               <a:ext uri="{FF2B5EF4-FFF2-40B4-BE49-F238E27FC236}">
-                <a16:creationId xmlns:a16="http://schemas.microsoft.com/office/drawing/2014/main" id="{7E049C72-ABC2-46C8-9965-DBAA5A3E36A5}"/>
+                <a16:creationId xmlns:a16="http://schemas.microsoft.com/office/drawing/2014/main" xmlns="" id="{7E049C72-ABC2-46C8-9965-DBAA5A3E36A5}"/>
               </a:ext>
             </a:extLst>
           </p:cNvPr>
@@ -3335,7 +3335,7 @@
           <p:cNvPr id="2" name="제목 1">
             <a:extLst>
               <a:ext uri="{FF2B5EF4-FFF2-40B4-BE49-F238E27FC236}">
-                <a16:creationId xmlns:a16="http://schemas.microsoft.com/office/drawing/2014/main" id="{8C6A33E1-114F-40BB-9AED-64B1ADCE6544}"/>
+                <a16:creationId xmlns:a16="http://schemas.microsoft.com/office/drawing/2014/main" xmlns="" id="{8C6A33E1-114F-40BB-9AED-64B1ADCE6544}"/>
               </a:ext>
             </a:extLst>
           </p:cNvPr>
@@ -3360,7 +3360,7 @@
           <p:cNvPr id="3" name="부제목 2">
             <a:extLst>
               <a:ext uri="{FF2B5EF4-FFF2-40B4-BE49-F238E27FC236}">
-                <a16:creationId xmlns:a16="http://schemas.microsoft.com/office/drawing/2014/main" id="{5672B117-CB9F-4CEB-8055-D3E2C6B6551E}"/>
+                <a16:creationId xmlns:a16="http://schemas.microsoft.com/office/drawing/2014/main" xmlns="" id="{5672B117-CB9F-4CEB-8055-D3E2C6B6551E}"/>
               </a:ext>
             </a:extLst>
           </p:cNvPr>
@@ -3415,7 +3415,7 @@
           <p:cNvPr id="4" name="직사각형 3">
             <a:extLst>
               <a:ext uri="{FF2B5EF4-FFF2-40B4-BE49-F238E27FC236}">
-                <a16:creationId xmlns:a16="http://schemas.microsoft.com/office/drawing/2014/main" id="{01BA401F-1C6B-4628-9DF6-1043EFA7411B}"/>
+                <a16:creationId xmlns:a16="http://schemas.microsoft.com/office/drawing/2014/main" xmlns="" id="{01BA401F-1C6B-4628-9DF6-1043EFA7411B}"/>
               </a:ext>
             </a:extLst>
           </p:cNvPr>
@@ -3462,7 +3462,7 @@
           <p:cNvPr id="5" name="직사각형 4">
             <a:extLst>
               <a:ext uri="{FF2B5EF4-FFF2-40B4-BE49-F238E27FC236}">
-                <a16:creationId xmlns:a16="http://schemas.microsoft.com/office/drawing/2014/main" id="{FDDFDE45-3861-44F1-ABE7-F11CF3DB85EE}"/>
+                <a16:creationId xmlns:a16="http://schemas.microsoft.com/office/drawing/2014/main" xmlns="" id="{FDDFDE45-3861-44F1-ABE7-F11CF3DB85EE}"/>
               </a:ext>
             </a:extLst>
           </p:cNvPr>
@@ -3509,7 +3509,7 @@
           <p:cNvPr id="6" name="직사각형 5">
             <a:extLst>
               <a:ext uri="{FF2B5EF4-FFF2-40B4-BE49-F238E27FC236}">
-                <a16:creationId xmlns:a16="http://schemas.microsoft.com/office/drawing/2014/main" id="{E2E10B9D-520A-4E80-96A2-94D95E20BDFE}"/>
+                <a16:creationId xmlns:a16="http://schemas.microsoft.com/office/drawing/2014/main" xmlns="" id="{E2E10B9D-520A-4E80-96A2-94D95E20BDFE}"/>
               </a:ext>
             </a:extLst>
           </p:cNvPr>
@@ -3556,7 +3556,7 @@
           <p:cNvPr id="7" name="직사각형 6">
             <a:extLst>
               <a:ext uri="{FF2B5EF4-FFF2-40B4-BE49-F238E27FC236}">
-                <a16:creationId xmlns:a16="http://schemas.microsoft.com/office/drawing/2014/main" id="{70268B66-FD76-4E3C-BA7E-392024454665}"/>
+                <a16:creationId xmlns:a16="http://schemas.microsoft.com/office/drawing/2014/main" xmlns="" id="{70268B66-FD76-4E3C-BA7E-392024454665}"/>
               </a:ext>
             </a:extLst>
           </p:cNvPr>
@@ -3610,7 +3610,7 @@
           <p:cNvPr id="8" name="직사각형 7">
             <a:extLst>
               <a:ext uri="{FF2B5EF4-FFF2-40B4-BE49-F238E27FC236}">
-                <a16:creationId xmlns:a16="http://schemas.microsoft.com/office/drawing/2014/main" id="{81C0077B-3582-48AF-919A-C72AFB6F0EC6}"/>
+                <a16:creationId xmlns:a16="http://schemas.microsoft.com/office/drawing/2014/main" xmlns="" id="{81C0077B-3582-48AF-919A-C72AFB6F0EC6}"/>
               </a:ext>
             </a:extLst>
           </p:cNvPr>
@@ -3757,7 +3757,7 @@
           <p:cNvPr id="9" name="직사각형 8">
             <a:extLst>
               <a:ext uri="{FF2B5EF4-FFF2-40B4-BE49-F238E27FC236}">
-                <a16:creationId xmlns:a16="http://schemas.microsoft.com/office/drawing/2014/main" id="{9418DF24-F902-40B5-BF90-71C1EEB4ECAC}"/>
+                <a16:creationId xmlns:a16="http://schemas.microsoft.com/office/drawing/2014/main" xmlns="" id="{9418DF24-F902-40B5-BF90-71C1EEB4ECAC}"/>
               </a:ext>
             </a:extLst>
           </p:cNvPr>
@@ -3804,7 +3804,7 @@
           <p:cNvPr id="10" name="표 10">
             <a:extLst>
               <a:ext uri="{FF2B5EF4-FFF2-40B4-BE49-F238E27FC236}">
-                <a16:creationId xmlns:a16="http://schemas.microsoft.com/office/drawing/2014/main" id="{BAC53B3D-9862-4C68-9FB7-EAA7A9A387AD}"/>
+                <a16:creationId xmlns:a16="http://schemas.microsoft.com/office/drawing/2014/main" xmlns="" id="{BAC53B3D-9862-4C68-9FB7-EAA7A9A387AD}"/>
               </a:ext>
             </a:extLst>
           </p:cNvPr>
@@ -3833,49 +3833,49 @@
                 <a:gridCol w="973897">
                   <a:extLst>
                     <a:ext uri="{9D8B030D-6E8A-4147-A177-3AD203B41FA5}">
-                      <a16:colId xmlns:a16="http://schemas.microsoft.com/office/drawing/2014/main" val="1792675933"/>
+                      <a16:colId xmlns:a16="http://schemas.microsoft.com/office/drawing/2014/main" xmlns="" val="1792675933"/>
                     </a:ext>
                   </a:extLst>
                 </a:gridCol>
                 <a:gridCol w="973897">
                   <a:extLst>
                     <a:ext uri="{9D8B030D-6E8A-4147-A177-3AD203B41FA5}">
-                      <a16:colId xmlns:a16="http://schemas.microsoft.com/office/drawing/2014/main" val="1450870937"/>
+                      <a16:colId xmlns:a16="http://schemas.microsoft.com/office/drawing/2014/main" xmlns="" val="1450870937"/>
                     </a:ext>
                   </a:extLst>
                 </a:gridCol>
                 <a:gridCol w="973897">
                   <a:extLst>
                     <a:ext uri="{9D8B030D-6E8A-4147-A177-3AD203B41FA5}">
-                      <a16:colId xmlns:a16="http://schemas.microsoft.com/office/drawing/2014/main" val="2451311334"/>
+                      <a16:colId xmlns:a16="http://schemas.microsoft.com/office/drawing/2014/main" xmlns="" val="2451311334"/>
                     </a:ext>
                   </a:extLst>
                 </a:gridCol>
                 <a:gridCol w="973897">
                   <a:extLst>
                     <a:ext uri="{9D8B030D-6E8A-4147-A177-3AD203B41FA5}">
-                      <a16:colId xmlns:a16="http://schemas.microsoft.com/office/drawing/2014/main" val="816543965"/>
+                      <a16:colId xmlns:a16="http://schemas.microsoft.com/office/drawing/2014/main" xmlns="" val="816543965"/>
                     </a:ext>
                   </a:extLst>
                 </a:gridCol>
                 <a:gridCol w="973897">
                   <a:extLst>
                     <a:ext uri="{9D8B030D-6E8A-4147-A177-3AD203B41FA5}">
-                      <a16:colId xmlns:a16="http://schemas.microsoft.com/office/drawing/2014/main" val="3589768451"/>
+                      <a16:colId xmlns:a16="http://schemas.microsoft.com/office/drawing/2014/main" xmlns="" val="3589768451"/>
                     </a:ext>
                   </a:extLst>
                 </a:gridCol>
                 <a:gridCol w="973897">
                   <a:extLst>
                     <a:ext uri="{9D8B030D-6E8A-4147-A177-3AD203B41FA5}">
-                      <a16:colId xmlns:a16="http://schemas.microsoft.com/office/drawing/2014/main" val="4099943283"/>
+                      <a16:colId xmlns:a16="http://schemas.microsoft.com/office/drawing/2014/main" xmlns="" val="4099943283"/>
                     </a:ext>
                   </a:extLst>
                 </a:gridCol>
                 <a:gridCol w="973897">
                   <a:extLst>
                     <a:ext uri="{9D8B030D-6E8A-4147-A177-3AD203B41FA5}">
-                      <a16:colId xmlns:a16="http://schemas.microsoft.com/office/drawing/2014/main" val="1070490600"/>
+                      <a16:colId xmlns:a16="http://schemas.microsoft.com/office/drawing/2014/main" xmlns="" val="1070490600"/>
                     </a:ext>
                   </a:extLst>
                 </a:gridCol>
@@ -3981,7 +3981,7 @@
                 </a:tc>
                 <a:extLst>
                   <a:ext uri="{0D108BD9-81ED-4DB2-BD59-A6C34878D82A}">
-                    <a16:rowId xmlns:a16="http://schemas.microsoft.com/office/drawing/2014/main" val="624465740"/>
+                    <a16:rowId xmlns:a16="http://schemas.microsoft.com/office/drawing/2014/main" xmlns="" val="624465740"/>
                   </a:ext>
                 </a:extLst>
               </a:tr>
@@ -4065,7 +4065,7 @@
                 </a:tc>
                 <a:extLst>
                   <a:ext uri="{0D108BD9-81ED-4DB2-BD59-A6C34878D82A}">
-                    <a16:rowId xmlns:a16="http://schemas.microsoft.com/office/drawing/2014/main" val="2627077800"/>
+                    <a16:rowId xmlns:a16="http://schemas.microsoft.com/office/drawing/2014/main" xmlns="" val="2627077800"/>
                   </a:ext>
                 </a:extLst>
               </a:tr>
@@ -4149,7 +4149,7 @@
                 </a:tc>
                 <a:extLst>
                   <a:ext uri="{0D108BD9-81ED-4DB2-BD59-A6C34878D82A}">
-                    <a16:rowId xmlns:a16="http://schemas.microsoft.com/office/drawing/2014/main" val="2671787588"/>
+                    <a16:rowId xmlns:a16="http://schemas.microsoft.com/office/drawing/2014/main" xmlns="" val="2671787588"/>
                   </a:ext>
                 </a:extLst>
               </a:tr>
@@ -4233,7 +4233,7 @@
                 </a:tc>
                 <a:extLst>
                   <a:ext uri="{0D108BD9-81ED-4DB2-BD59-A6C34878D82A}">
-                    <a16:rowId xmlns:a16="http://schemas.microsoft.com/office/drawing/2014/main" val="1415631663"/>
+                    <a16:rowId xmlns:a16="http://schemas.microsoft.com/office/drawing/2014/main" xmlns="" val="1415631663"/>
                   </a:ext>
                 </a:extLst>
               </a:tr>
@@ -4246,7 +4246,7 @@
           <p:cNvPr id="2" name="직사각형 1">
             <a:extLst>
               <a:ext uri="{FF2B5EF4-FFF2-40B4-BE49-F238E27FC236}">
-                <a16:creationId xmlns:a16="http://schemas.microsoft.com/office/drawing/2014/main" id="{F075C830-D1C0-4A3B-90D4-9E89E8C96749}"/>
+                <a16:creationId xmlns:a16="http://schemas.microsoft.com/office/drawing/2014/main" xmlns="" id="{F075C830-D1C0-4A3B-90D4-9E89E8C96749}"/>
               </a:ext>
             </a:extLst>
           </p:cNvPr>
@@ -4295,7 +4295,7 @@
           <p:cNvPr id="3" name="TextBox 2">
             <a:extLst>
               <a:ext uri="{FF2B5EF4-FFF2-40B4-BE49-F238E27FC236}">
-                <a16:creationId xmlns:a16="http://schemas.microsoft.com/office/drawing/2014/main" id="{4946885A-394A-462D-83D0-602A760727B6}"/>
+                <a16:creationId xmlns:a16="http://schemas.microsoft.com/office/drawing/2014/main" xmlns="" id="{4946885A-394A-462D-83D0-602A760727B6}"/>
               </a:ext>
             </a:extLst>
           </p:cNvPr>
@@ -4330,7 +4330,7 @@
           <p:cNvPr id="12" name="표 12">
             <a:extLst>
               <a:ext uri="{FF2B5EF4-FFF2-40B4-BE49-F238E27FC236}">
-                <a16:creationId xmlns:a16="http://schemas.microsoft.com/office/drawing/2014/main" id="{FF83CF9C-07E9-4E75-996D-D5726193A085}"/>
+                <a16:creationId xmlns:a16="http://schemas.microsoft.com/office/drawing/2014/main" xmlns="" id="{FF83CF9C-07E9-4E75-996D-D5726193A085}"/>
               </a:ext>
             </a:extLst>
           </p:cNvPr>
@@ -4359,21 +4359,21 @@
                 <a:gridCol w="1072013">
                   <a:extLst>
                     <a:ext uri="{9D8B030D-6E8A-4147-A177-3AD203B41FA5}">
-                      <a16:colId xmlns:a16="http://schemas.microsoft.com/office/drawing/2014/main" val="1104487515"/>
+                      <a16:colId xmlns:a16="http://schemas.microsoft.com/office/drawing/2014/main" xmlns="" val="1104487515"/>
                     </a:ext>
                   </a:extLst>
                 </a:gridCol>
                 <a:gridCol w="1072013">
                   <a:extLst>
                     <a:ext uri="{9D8B030D-6E8A-4147-A177-3AD203B41FA5}">
-                      <a16:colId xmlns:a16="http://schemas.microsoft.com/office/drawing/2014/main" val="2053057459"/>
+                      <a16:colId xmlns:a16="http://schemas.microsoft.com/office/drawing/2014/main" xmlns="" val="2053057459"/>
                     </a:ext>
                   </a:extLst>
                 </a:gridCol>
                 <a:gridCol w="1072013">
                   <a:extLst>
                     <a:ext uri="{9D8B030D-6E8A-4147-A177-3AD203B41FA5}">
-                      <a16:colId xmlns:a16="http://schemas.microsoft.com/office/drawing/2014/main" val="2078775459"/>
+                      <a16:colId xmlns:a16="http://schemas.microsoft.com/office/drawing/2014/main" xmlns="" val="2078775459"/>
                     </a:ext>
                   </a:extLst>
                 </a:gridCol>
@@ -4423,7 +4423,7 @@
                 </a:tc>
                 <a:extLst>
                   <a:ext uri="{0D108BD9-81ED-4DB2-BD59-A6C34878D82A}">
-                    <a16:rowId xmlns:a16="http://schemas.microsoft.com/office/drawing/2014/main" val="1901074110"/>
+                    <a16:rowId xmlns:a16="http://schemas.microsoft.com/office/drawing/2014/main" xmlns="" val="1901074110"/>
                   </a:ext>
                 </a:extLst>
               </a:tr>
@@ -4466,7 +4466,7 @@
           <p:cNvPr id="4" name="직사각형 3">
             <a:extLst>
               <a:ext uri="{FF2B5EF4-FFF2-40B4-BE49-F238E27FC236}">
-                <a16:creationId xmlns:a16="http://schemas.microsoft.com/office/drawing/2014/main" id="{2A2FDAD1-BAC3-443B-8658-304B60722638}"/>
+                <a16:creationId xmlns:a16="http://schemas.microsoft.com/office/drawing/2014/main" xmlns="" id="{2A2FDAD1-BAC3-443B-8658-304B60722638}"/>
               </a:ext>
             </a:extLst>
           </p:cNvPr>
@@ -4512,7 +4512,7 @@
           <p:cNvPr id="5" name="직사각형 4">
             <a:extLst>
               <a:ext uri="{FF2B5EF4-FFF2-40B4-BE49-F238E27FC236}">
-                <a16:creationId xmlns:a16="http://schemas.microsoft.com/office/drawing/2014/main" id="{72CB3AA0-C0F5-4AA2-A8B2-BE69EDA659F3}"/>
+                <a16:creationId xmlns:a16="http://schemas.microsoft.com/office/drawing/2014/main" xmlns="" id="{72CB3AA0-C0F5-4AA2-A8B2-BE69EDA659F3}"/>
               </a:ext>
             </a:extLst>
           </p:cNvPr>
@@ -4561,7 +4561,7 @@
           <p:cNvPr id="6" name="직사각형 5">
             <a:extLst>
               <a:ext uri="{FF2B5EF4-FFF2-40B4-BE49-F238E27FC236}">
-                <a16:creationId xmlns:a16="http://schemas.microsoft.com/office/drawing/2014/main" id="{1EA1178C-4EAC-4FE2-A26F-D449C0CDCC7A}"/>
+                <a16:creationId xmlns:a16="http://schemas.microsoft.com/office/drawing/2014/main" xmlns="" id="{1EA1178C-4EAC-4FE2-A26F-D449C0CDCC7A}"/>
               </a:ext>
             </a:extLst>
           </p:cNvPr>
@@ -4610,7 +4610,7 @@
           <p:cNvPr id="7" name="직사각형 6">
             <a:extLst>
               <a:ext uri="{FF2B5EF4-FFF2-40B4-BE49-F238E27FC236}">
-                <a16:creationId xmlns:a16="http://schemas.microsoft.com/office/drawing/2014/main" id="{F4C1A7EE-5795-4F5A-AAE8-03199A93077E}"/>
+                <a16:creationId xmlns:a16="http://schemas.microsoft.com/office/drawing/2014/main" xmlns="" id="{F4C1A7EE-5795-4F5A-AAE8-03199A93077E}"/>
               </a:ext>
             </a:extLst>
           </p:cNvPr>
@@ -4659,7 +4659,7 @@
           <p:cNvPr id="8" name="직사각형 7">
             <a:extLst>
               <a:ext uri="{FF2B5EF4-FFF2-40B4-BE49-F238E27FC236}">
-                <a16:creationId xmlns:a16="http://schemas.microsoft.com/office/drawing/2014/main" id="{A1B76F92-B735-4B91-971D-895FDFA8FF98}"/>
+                <a16:creationId xmlns:a16="http://schemas.microsoft.com/office/drawing/2014/main" xmlns="" id="{A1B76F92-B735-4B91-971D-895FDFA8FF98}"/>
               </a:ext>
             </a:extLst>
           </p:cNvPr>
@@ -4705,7 +4705,7 @@
           <p:cNvPr id="9" name="직사각형 8">
             <a:extLst>
               <a:ext uri="{FF2B5EF4-FFF2-40B4-BE49-F238E27FC236}">
-                <a16:creationId xmlns:a16="http://schemas.microsoft.com/office/drawing/2014/main" id="{5377D6F1-39A3-4F60-9DEC-367A7CD7D76F}"/>
+                <a16:creationId xmlns:a16="http://schemas.microsoft.com/office/drawing/2014/main" xmlns="" id="{5377D6F1-39A3-4F60-9DEC-367A7CD7D76F}"/>
               </a:ext>
             </a:extLst>
           </p:cNvPr>
@@ -4751,7 +4751,7 @@
           <p:cNvPr id="10" name="직사각형 9">
             <a:extLst>
               <a:ext uri="{FF2B5EF4-FFF2-40B4-BE49-F238E27FC236}">
-                <a16:creationId xmlns:a16="http://schemas.microsoft.com/office/drawing/2014/main" id="{1990BE5E-2F7F-4FDB-AFDD-65BDCD6C96E6}"/>
+                <a16:creationId xmlns:a16="http://schemas.microsoft.com/office/drawing/2014/main" xmlns="" id="{1990BE5E-2F7F-4FDB-AFDD-65BDCD6C96E6}"/>
               </a:ext>
             </a:extLst>
           </p:cNvPr>
@@ -4797,7 +4797,7 @@
           <p:cNvPr id="11" name="직사각형 10">
             <a:extLst>
               <a:ext uri="{FF2B5EF4-FFF2-40B4-BE49-F238E27FC236}">
-                <a16:creationId xmlns:a16="http://schemas.microsoft.com/office/drawing/2014/main" id="{CD71CF00-ABE7-47E5-BB39-76F0F5DE351E}"/>
+                <a16:creationId xmlns:a16="http://schemas.microsoft.com/office/drawing/2014/main" xmlns="" id="{CD71CF00-ABE7-47E5-BB39-76F0F5DE351E}"/>
               </a:ext>
             </a:extLst>
           </p:cNvPr>
@@ -4843,7 +4843,7 @@
           <p:cNvPr id="12" name="직사각형 11">
             <a:extLst>
               <a:ext uri="{FF2B5EF4-FFF2-40B4-BE49-F238E27FC236}">
-                <a16:creationId xmlns:a16="http://schemas.microsoft.com/office/drawing/2014/main" id="{4CE53973-F178-4E21-9030-45E3E2C4F8E5}"/>
+                <a16:creationId xmlns:a16="http://schemas.microsoft.com/office/drawing/2014/main" xmlns="" id="{4CE53973-F178-4E21-9030-45E3E2C4F8E5}"/>
               </a:ext>
             </a:extLst>
           </p:cNvPr>
@@ -4889,7 +4889,7 @@
           <p:cNvPr id="13" name="직사각형 12">
             <a:extLst>
               <a:ext uri="{FF2B5EF4-FFF2-40B4-BE49-F238E27FC236}">
-                <a16:creationId xmlns:a16="http://schemas.microsoft.com/office/drawing/2014/main" id="{2291A3FF-74C3-4C99-A6B8-8E37DF213519}"/>
+                <a16:creationId xmlns:a16="http://schemas.microsoft.com/office/drawing/2014/main" xmlns="" id="{2291A3FF-74C3-4C99-A6B8-8E37DF213519}"/>
               </a:ext>
             </a:extLst>
           </p:cNvPr>
@@ -4939,7 +4939,7 @@
           <p:cNvPr id="14" name="직사각형 13">
             <a:extLst>
               <a:ext uri="{FF2B5EF4-FFF2-40B4-BE49-F238E27FC236}">
-                <a16:creationId xmlns:a16="http://schemas.microsoft.com/office/drawing/2014/main" id="{2E173C1E-FEE6-46F8-8E72-D8EF9EC85251}"/>
+                <a16:creationId xmlns:a16="http://schemas.microsoft.com/office/drawing/2014/main" xmlns="" id="{2E173C1E-FEE6-46F8-8E72-D8EF9EC85251}"/>
               </a:ext>
             </a:extLst>
           </p:cNvPr>
@@ -4989,7 +4989,7 @@
           <p:cNvPr id="15" name="직사각형 14">
             <a:extLst>
               <a:ext uri="{FF2B5EF4-FFF2-40B4-BE49-F238E27FC236}">
-                <a16:creationId xmlns:a16="http://schemas.microsoft.com/office/drawing/2014/main" id="{C1916BA3-AB96-4DA3-B132-73E518EBC5EB}"/>
+                <a16:creationId xmlns:a16="http://schemas.microsoft.com/office/drawing/2014/main" xmlns="" id="{C1916BA3-AB96-4DA3-B132-73E518EBC5EB}"/>
               </a:ext>
             </a:extLst>
           </p:cNvPr>
@@ -5039,7 +5039,7 @@
           <p:cNvPr id="16" name="직사각형 15">
             <a:extLst>
               <a:ext uri="{FF2B5EF4-FFF2-40B4-BE49-F238E27FC236}">
-                <a16:creationId xmlns:a16="http://schemas.microsoft.com/office/drawing/2014/main" id="{2C349CEC-96E4-4868-BE89-C23ED144773E}"/>
+                <a16:creationId xmlns:a16="http://schemas.microsoft.com/office/drawing/2014/main" xmlns="" id="{2C349CEC-96E4-4868-BE89-C23ED144773E}"/>
               </a:ext>
             </a:extLst>
           </p:cNvPr>
@@ -5089,7 +5089,7 @@
           <p:cNvPr id="17" name="직사각형 16">
             <a:extLst>
               <a:ext uri="{FF2B5EF4-FFF2-40B4-BE49-F238E27FC236}">
-                <a16:creationId xmlns:a16="http://schemas.microsoft.com/office/drawing/2014/main" id="{1E6C81CB-B759-4C10-9DFE-56FC4883E492}"/>
+                <a16:creationId xmlns:a16="http://schemas.microsoft.com/office/drawing/2014/main" xmlns="" id="{1E6C81CB-B759-4C10-9DFE-56FC4883E492}"/>
               </a:ext>
             </a:extLst>
           </p:cNvPr>
@@ -5169,7 +5169,7 @@
           <p:cNvPr id="4" name="직사각형 3">
             <a:extLst>
               <a:ext uri="{FF2B5EF4-FFF2-40B4-BE49-F238E27FC236}">
-                <a16:creationId xmlns:a16="http://schemas.microsoft.com/office/drawing/2014/main" id="{F8209DD8-318B-4E7B-A52D-7E45DA663AAC}"/>
+                <a16:creationId xmlns:a16="http://schemas.microsoft.com/office/drawing/2014/main" xmlns="" id="{F8209DD8-318B-4E7B-A52D-7E45DA663AAC}"/>
               </a:ext>
             </a:extLst>
           </p:cNvPr>
@@ -5215,7 +5215,7 @@
           <p:cNvPr id="5" name="직사각형 4">
             <a:extLst>
               <a:ext uri="{FF2B5EF4-FFF2-40B4-BE49-F238E27FC236}">
-                <a16:creationId xmlns:a16="http://schemas.microsoft.com/office/drawing/2014/main" id="{D0D4FC7E-B02E-4782-8F62-165F84636D74}"/>
+                <a16:creationId xmlns:a16="http://schemas.microsoft.com/office/drawing/2014/main" xmlns="" id="{D0D4FC7E-B02E-4782-8F62-165F84636D74}"/>
               </a:ext>
             </a:extLst>
           </p:cNvPr>
@@ -5264,7 +5264,7 @@
           <p:cNvPr id="6" name="직사각형 5">
             <a:extLst>
               <a:ext uri="{FF2B5EF4-FFF2-40B4-BE49-F238E27FC236}">
-                <a16:creationId xmlns:a16="http://schemas.microsoft.com/office/drawing/2014/main" id="{6D74CDC9-6551-48B0-8EA0-39B63B2A2196}"/>
+                <a16:creationId xmlns:a16="http://schemas.microsoft.com/office/drawing/2014/main" xmlns="" id="{6D74CDC9-6551-48B0-8EA0-39B63B2A2196}"/>
               </a:ext>
             </a:extLst>
           </p:cNvPr>
@@ -5313,7 +5313,7 @@
           <p:cNvPr id="7" name="직사각형 6">
             <a:extLst>
               <a:ext uri="{FF2B5EF4-FFF2-40B4-BE49-F238E27FC236}">
-                <a16:creationId xmlns:a16="http://schemas.microsoft.com/office/drawing/2014/main" id="{17753CC7-7EF5-41A5-9439-5DB847973943}"/>
+                <a16:creationId xmlns:a16="http://schemas.microsoft.com/office/drawing/2014/main" xmlns="" id="{17753CC7-7EF5-41A5-9439-5DB847973943}"/>
               </a:ext>
             </a:extLst>
           </p:cNvPr>
@@ -5362,7 +5362,7 @@
           <p:cNvPr id="8" name="직사각형 7">
             <a:extLst>
               <a:ext uri="{FF2B5EF4-FFF2-40B4-BE49-F238E27FC236}">
-                <a16:creationId xmlns:a16="http://schemas.microsoft.com/office/drawing/2014/main" id="{B80D9965-EC07-4347-9031-6FD4FE6D90F3}"/>
+                <a16:creationId xmlns:a16="http://schemas.microsoft.com/office/drawing/2014/main" xmlns="" id="{B80D9965-EC07-4347-9031-6FD4FE6D90F3}"/>
               </a:ext>
             </a:extLst>
           </p:cNvPr>
@@ -5399,26 +5399,7 @@
           <a:lstStyle/>
           <a:p>
             <a:pPr algn="ctr"/>
-            <a:r>
-              <a:rPr lang="en-US" altLang="ko-KR" dirty="0" err="1"/>
-              <a:t>jlist</a:t>
-            </a:r>
-            <a:r>
-              <a:rPr lang="en-US" altLang="ko-KR" dirty="0"/>
-              <a:t> (panel)</a:t>
-            </a:r>
-            <a:r>
-              <a:rPr lang="ko-KR" altLang="en-US" dirty="0"/>
-              <a:t>로</a:t>
-            </a:r>
-            <a:r>
-              <a:rPr lang="en-US" altLang="ko-KR" dirty="0"/>
-              <a:t> </a:t>
-            </a:r>
-            <a:r>
-              <a:rPr lang="ko-KR" altLang="en-US" dirty="0"/>
-              <a:t>감싸기</a:t>
-            </a:r>
+            <a:endParaRPr lang="ko-KR" altLang="en-US" dirty="0"/>
           </a:p>
         </p:txBody>
       </p:sp>
@@ -5427,7 +5408,7 @@
           <p:cNvPr id="9" name="직사각형 8">
             <a:extLst>
               <a:ext uri="{FF2B5EF4-FFF2-40B4-BE49-F238E27FC236}">
-                <a16:creationId xmlns:a16="http://schemas.microsoft.com/office/drawing/2014/main" id="{A037B32C-EEB6-49DE-89EB-C4AC6900824B}"/>
+                <a16:creationId xmlns:a16="http://schemas.microsoft.com/office/drawing/2014/main" xmlns="" id="{A037B32C-EEB6-49DE-89EB-C4AC6900824B}"/>
               </a:ext>
             </a:extLst>
           </p:cNvPr>
@@ -5473,7 +5454,7 @@
           <p:cNvPr id="10" name="직사각형 9">
             <a:extLst>
               <a:ext uri="{FF2B5EF4-FFF2-40B4-BE49-F238E27FC236}">
-                <a16:creationId xmlns:a16="http://schemas.microsoft.com/office/drawing/2014/main" id="{F6F9EE74-6227-4FCD-8837-3F8B54BB3CA2}"/>
+                <a16:creationId xmlns:a16="http://schemas.microsoft.com/office/drawing/2014/main" xmlns="" id="{F6F9EE74-6227-4FCD-8837-3F8B54BB3CA2}"/>
               </a:ext>
             </a:extLst>
           </p:cNvPr>
@@ -5484,6 +5465,126 @@
           <a:xfrm>
             <a:off x="10544907" y="5662246"/>
             <a:ext cx="902677" cy="281354"/>
+          </a:xfrm>
+          <a:prstGeom prst="rect">
+            <a:avLst/>
+          </a:prstGeom>
+        </p:spPr>
+        <p:style>
+          <a:lnRef idx="2">
+            <a:schemeClr val="accent1">
+              <a:shade val="50000"/>
+            </a:schemeClr>
+          </a:lnRef>
+          <a:fillRef idx="1">
+            <a:schemeClr val="accent1"/>
+          </a:fillRef>
+          <a:effectRef idx="0">
+            <a:schemeClr val="accent1"/>
+          </a:effectRef>
+          <a:fontRef idx="minor">
+            <a:schemeClr val="lt1"/>
+          </a:fontRef>
+        </p:style>
+        <p:txBody>
+          <a:bodyPr rtlCol="0" anchor="ctr"/>
+          <a:lstStyle/>
+          <a:p>
+            <a:pPr algn="ctr"/>
+            <a:endParaRPr lang="ko-KR" altLang="en-US"/>
+          </a:p>
+        </p:txBody>
+      </p:sp>
+      <p:sp>
+        <p:nvSpPr>
+          <p:cNvPr id="2" name="직사각형 1"/>
+          <p:cNvSpPr/>
+          <p:nvPr/>
+        </p:nvSpPr>
+        <p:spPr>
+          <a:xfrm>
+            <a:off x="1276865" y="1400432"/>
+            <a:ext cx="2273643" cy="1705232"/>
+          </a:xfrm>
+          <a:prstGeom prst="rect">
+            <a:avLst/>
+          </a:prstGeom>
+        </p:spPr>
+        <p:style>
+          <a:lnRef idx="2">
+            <a:schemeClr val="accent1">
+              <a:shade val="50000"/>
+            </a:schemeClr>
+          </a:lnRef>
+          <a:fillRef idx="1">
+            <a:schemeClr val="accent1"/>
+          </a:fillRef>
+          <a:effectRef idx="0">
+            <a:schemeClr val="accent1"/>
+          </a:effectRef>
+          <a:fontRef idx="minor">
+            <a:schemeClr val="lt1"/>
+          </a:fontRef>
+        </p:style>
+        <p:txBody>
+          <a:bodyPr rtlCol="0" anchor="ctr"/>
+          <a:lstStyle/>
+          <a:p>
+            <a:pPr algn="ctr"/>
+            <a:endParaRPr lang="ko-KR" altLang="en-US"/>
+          </a:p>
+        </p:txBody>
+      </p:sp>
+      <p:sp>
+        <p:nvSpPr>
+          <p:cNvPr id="11" name="직사각형 10"/>
+          <p:cNvSpPr/>
+          <p:nvPr/>
+        </p:nvSpPr>
+        <p:spPr>
+          <a:xfrm>
+            <a:off x="3957172" y="1400432"/>
+            <a:ext cx="2273643" cy="1705232"/>
+          </a:xfrm>
+          <a:prstGeom prst="rect">
+            <a:avLst/>
+          </a:prstGeom>
+        </p:spPr>
+        <p:style>
+          <a:lnRef idx="2">
+            <a:schemeClr val="accent1">
+              <a:shade val="50000"/>
+            </a:schemeClr>
+          </a:lnRef>
+          <a:fillRef idx="1">
+            <a:schemeClr val="accent1"/>
+          </a:fillRef>
+          <a:effectRef idx="0">
+            <a:schemeClr val="accent1"/>
+          </a:effectRef>
+          <a:fontRef idx="minor">
+            <a:schemeClr val="lt1"/>
+          </a:fontRef>
+        </p:style>
+        <p:txBody>
+          <a:bodyPr rtlCol="0" anchor="ctr"/>
+          <a:lstStyle/>
+          <a:p>
+            <a:pPr algn="ctr"/>
+            <a:endParaRPr lang="ko-KR" altLang="en-US"/>
+          </a:p>
+        </p:txBody>
+      </p:sp>
+      <p:sp>
+        <p:nvSpPr>
+          <p:cNvPr id="12" name="직사각형 11"/>
+          <p:cNvSpPr/>
+          <p:nvPr/>
+        </p:nvSpPr>
+        <p:spPr>
+          <a:xfrm>
+            <a:off x="6591617" y="1400432"/>
+            <a:ext cx="2273643" cy="1705232"/>
           </a:xfrm>
           <a:prstGeom prst="rect">
             <a:avLst/>
@@ -5549,7 +5650,7 @@
           <p:cNvPr id="5" name="그림 4" descr="스크린샷이(가) 표시된 사진&#10;&#10;자동 생성된 설명">
             <a:extLst>
               <a:ext uri="{FF2B5EF4-FFF2-40B4-BE49-F238E27FC236}">
-                <a16:creationId xmlns:a16="http://schemas.microsoft.com/office/drawing/2014/main" id="{A7CA7ECD-6936-42A7-993C-EFE05652D98E}"/>
+                <a16:creationId xmlns:a16="http://schemas.microsoft.com/office/drawing/2014/main" xmlns="" id="{A7CA7ECD-6936-42A7-993C-EFE05652D98E}"/>
               </a:ext>
             </a:extLst>
           </p:cNvPr>
